--- a/k8s/NetApp-LOD/NetApp-K8s-Cloning-LOD.pptx
+++ b/k8s/NetApp-LOD/NetApp-K8s-Cloning-LOD.pptx
@@ -5,12 +5,13 @@
     <p:sldMasterId id="2147483648" r:id="rId1"/>
   </p:sldMasterIdLst>
   <p:notesMasterIdLst>
-    <p:notesMasterId r:id="rId5"/>
+    <p:notesMasterId r:id="rId6"/>
   </p:notesMasterIdLst>
   <p:sldIdLst>
     <p:sldId id="362" r:id="rId2"/>
     <p:sldId id="2147479215" r:id="rId3"/>
-    <p:sldId id="257" r:id="rId4"/>
+    <p:sldId id="2147479216" r:id="rId4"/>
+    <p:sldId id="257" r:id="rId5"/>
   </p:sldIdLst>
   <p:sldSz cx="12192000" cy="6858000"/>
   <p:notesSz cx="6858000" cy="9144000"/>
@@ -199,7 +200,7 @@
           <a:p>
             <a:fld id="{D405740D-8725-7243-A1C9-DBB03DEB1B59}" type="datetimeFigureOut">
               <a:rPr lang="en-US" smtClean="0"/>
-              <a:t>5/11/23</a:t>
+              <a:t>5/15/23</a:t>
             </a:fld>
             <a:endParaRPr lang="en-US"/>
           </a:p>
@@ -698,6 +699,154 @@
 </p:notes>
 </file>
 
+<file path=ppt/notesSlides/notesSlide3.xml><?xml version="1.0" encoding="utf-8"?>
+<p:notes xmlns:a="http://schemas.openxmlformats.org/drawingml/2006/main" xmlns:r="http://schemas.openxmlformats.org/officeDocument/2006/relationships" xmlns:p="http://schemas.openxmlformats.org/presentationml/2006/main">
+  <p:cSld>
+    <p:spTree>
+      <p:nvGrpSpPr>
+        <p:cNvPr id="1" name=""/>
+        <p:cNvGrpSpPr/>
+        <p:nvPr/>
+      </p:nvGrpSpPr>
+      <p:grpSpPr>
+        <a:xfrm>
+          <a:off x="0" y="0"/>
+          <a:ext cx="0" cy="0"/>
+          <a:chOff x="0" y="0"/>
+          <a:chExt cx="0" cy="0"/>
+        </a:xfrm>
+      </p:grpSpPr>
+      <p:sp>
+        <p:nvSpPr>
+          <p:cNvPr id="2" name="Slide Image Placeholder 1"/>
+          <p:cNvSpPr>
+            <a:spLocks noGrp="1" noRot="1" noChangeAspect="1"/>
+          </p:cNvSpPr>
+          <p:nvPr>
+            <p:ph type="sldImg"/>
+          </p:nvPr>
+        </p:nvSpPr>
+        <p:spPr/>
+      </p:sp>
+      <p:sp>
+        <p:nvSpPr>
+          <p:cNvPr id="3" name="Notes Placeholder 2"/>
+          <p:cNvSpPr>
+            <a:spLocks noGrp="1"/>
+          </p:cNvSpPr>
+          <p:nvPr>
+            <p:ph type="body" idx="1"/>
+          </p:nvPr>
+        </p:nvSpPr>
+        <p:spPr/>
+        <p:txBody>
+          <a:bodyPr/>
+          <a:lstStyle/>
+          <a:p>
+            <a:pPr marL="0" indent="0">
+              <a:buFont typeface="Symbol" pitchFamily="2" charset="2"/>
+              <a:buNone/>
+            </a:pPr>
+            <a:endParaRPr lang="en-US" dirty="0"/>
+          </a:p>
+        </p:txBody>
+      </p:sp>
+      <p:sp>
+        <p:nvSpPr>
+          <p:cNvPr id="4" name="Slide Number Placeholder 3"/>
+          <p:cNvSpPr>
+            <a:spLocks noGrp="1"/>
+          </p:cNvSpPr>
+          <p:nvPr>
+            <p:ph type="sldNum" sz="quarter" idx="5"/>
+          </p:nvPr>
+        </p:nvSpPr>
+        <p:spPr/>
+        <p:txBody>
+          <a:bodyPr/>
+          <a:lstStyle/>
+          <a:p>
+            <a:pPr marL="0" marR="0" lvl="0" indent="0" algn="r" defTabSz="914400" rtl="0" eaLnBrk="1" fontAlgn="auto" latinLnBrk="0" hangingPunct="1">
+              <a:lnSpc>
+                <a:spcPct val="100000"/>
+              </a:lnSpc>
+              <a:spcBef>
+                <a:spcPts val="0"/>
+              </a:spcBef>
+              <a:spcAft>
+                <a:spcPts val="0"/>
+              </a:spcAft>
+              <a:buClrTx/>
+              <a:buSzTx/>
+              <a:buFontTx/>
+              <a:buNone/>
+              <a:tabLst/>
+              <a:defRPr/>
+            </a:pPr>
+            <a:fld id="{60D5E1CC-8D61-7E42-9EC1-66E2EA138FA9}" type="slidenum">
+              <a:rPr kumimoji="0" lang="en-US" sz="1200" b="0" i="0" u="none" strike="noStrike" kern="1200" cap="none" spc="0" normalizeH="0" baseline="0" noProof="0" smtClean="0">
+                <a:ln>
+                  <a:noFill/>
+                </a:ln>
+                <a:solidFill>
+                  <a:prstClr val="black"/>
+                </a:solidFill>
+                <a:effectLst/>
+                <a:uLnTx/>
+                <a:uFillTx/>
+                <a:latin typeface="Calibri" panose="020F0502020204030204"/>
+                <a:ea typeface="+mn-ea"/>
+                <a:cs typeface="+mn-cs"/>
+              </a:rPr>
+              <a:pPr marL="0" marR="0" lvl="0" indent="0" algn="r" defTabSz="914400" rtl="0" eaLnBrk="1" fontAlgn="auto" latinLnBrk="0" hangingPunct="1">
+                <a:lnSpc>
+                  <a:spcPct val="100000"/>
+                </a:lnSpc>
+                <a:spcBef>
+                  <a:spcPts val="0"/>
+                </a:spcBef>
+                <a:spcAft>
+                  <a:spcPts val="0"/>
+                </a:spcAft>
+                <a:buClrTx/>
+                <a:buSzTx/>
+                <a:buFontTx/>
+                <a:buNone/>
+                <a:tabLst/>
+                <a:defRPr/>
+              </a:pPr>
+              <a:t>3</a:t>
+            </a:fld>
+            <a:endParaRPr kumimoji="0" lang="en-US" sz="1200" b="0" i="0" u="none" strike="noStrike" kern="1200" cap="none" spc="0" normalizeH="0" baseline="0" noProof="0">
+              <a:ln>
+                <a:noFill/>
+              </a:ln>
+              <a:solidFill>
+                <a:prstClr val="black"/>
+              </a:solidFill>
+              <a:effectLst/>
+              <a:uLnTx/>
+              <a:uFillTx/>
+              <a:latin typeface="Calibri" panose="020F0502020204030204"/>
+              <a:ea typeface="+mn-ea"/>
+              <a:cs typeface="+mn-cs"/>
+            </a:endParaRPr>
+          </a:p>
+        </p:txBody>
+      </p:sp>
+    </p:spTree>
+    <p:extLst>
+      <p:ext uri="{BB962C8B-B14F-4D97-AF65-F5344CB8AC3E}">
+        <p14:creationId xmlns:p14="http://schemas.microsoft.com/office/powerpoint/2010/main" val="2056169251"/>
+      </p:ext>
+    </p:extLst>
+  </p:cSld>
+  <p:clrMapOvr>
+    <a:masterClrMapping/>
+  </p:clrMapOvr>
+</p:notes>
+</file>
+
 <file path=ppt/slideLayouts/slideLayout1.xml><?xml version="1.0" encoding="utf-8"?>
 <p:sldLayout xmlns:a="http://schemas.openxmlformats.org/drawingml/2006/main" xmlns:r="http://schemas.openxmlformats.org/officeDocument/2006/relationships" xmlns:p="http://schemas.openxmlformats.org/presentationml/2006/main" preserve="1" userDrawn="1">
   <p:cSld name="Title Slide 1">
@@ -16328,7 +16477,7 @@
           <a:p>
             <a:fld id="{BC0EEE4D-496C-EA49-899C-6622C28627A8}" type="datetimeFigureOut">
               <a:rPr lang="en-US" smtClean="0"/>
-              <a:t>5/11/23</a:t>
+              <a:t>5/15/23</a:t>
             </a:fld>
             <a:endParaRPr lang="en-US"/>
           </a:p>
@@ -22439,6 +22588,4546 @@
       </p:grpSpPr>
       <p:sp>
         <p:nvSpPr>
+          <p:cNvPr id="6" name="Title 5">
+            <a:extLst>
+              <a:ext uri="{FF2B5EF4-FFF2-40B4-BE49-F238E27FC236}">
+                <a16:creationId xmlns:a16="http://schemas.microsoft.com/office/drawing/2014/main" id="{73CE6B34-2353-004C-ACFB-E762A1CC57FE}"/>
+              </a:ext>
+            </a:extLst>
+          </p:cNvPr>
+          <p:cNvSpPr>
+            <a:spLocks noGrp="1"/>
+          </p:cNvSpPr>
+          <p:nvPr>
+            <p:ph type="title"/>
+          </p:nvPr>
+        </p:nvSpPr>
+        <p:spPr/>
+        <p:txBody>
+          <a:bodyPr/>
+          <a:lstStyle/>
+          <a:p>
+            <a:r>
+              <a:rPr lang="en-US" sz="2400"/>
+              <a:t>Clone x MERN Stack</a:t>
+            </a:r>
+            <a:endParaRPr lang="en-US" sz="2400" dirty="0"/>
+          </a:p>
+        </p:txBody>
+      </p:sp>
+      <p:sp>
+        <p:nvSpPr>
+          <p:cNvPr id="29" name="TextBox 28">
+            <a:extLst>
+              <a:ext uri="{FF2B5EF4-FFF2-40B4-BE49-F238E27FC236}">
+                <a16:creationId xmlns:a16="http://schemas.microsoft.com/office/drawing/2014/main" id="{90C65758-8F1D-B96C-C73C-81178E04AC00}"/>
+              </a:ext>
+            </a:extLst>
+          </p:cNvPr>
+          <p:cNvSpPr txBox="1"/>
+          <p:nvPr/>
+        </p:nvSpPr>
+        <p:spPr>
+          <a:xfrm>
+            <a:off x="-336176" y="578224"/>
+            <a:ext cx="0" cy="0"/>
+          </a:xfrm>
+          <a:prstGeom prst="rect">
+            <a:avLst/>
+          </a:prstGeom>
+          <a:noFill/>
+        </p:spPr>
+        <p:txBody>
+          <a:bodyPr wrap="none" rtlCol="0">
+            <a:noAutofit/>
+          </a:bodyPr>
+          <a:lstStyle/>
+          <a:p>
+            <a:pPr marL="0" marR="0" lvl="0" indent="0" algn="l" defTabSz="914400" rtl="0" eaLnBrk="1" fontAlgn="auto" latinLnBrk="0" hangingPunct="1">
+              <a:lnSpc>
+                <a:spcPct val="100000"/>
+              </a:lnSpc>
+              <a:spcBef>
+                <a:spcPts val="0"/>
+              </a:spcBef>
+              <a:spcAft>
+                <a:spcPts val="0"/>
+              </a:spcAft>
+              <a:buClrTx/>
+              <a:buSzTx/>
+              <a:buFontTx/>
+              <a:buNone/>
+              <a:tabLst/>
+              <a:defRPr/>
+            </a:pPr>
+            <a:endParaRPr kumimoji="0" lang="en-US" sz="1800" b="0" i="0" u="none" strike="noStrike" kern="1200" cap="none" spc="0" normalizeH="0" baseline="0" noProof="0" err="1">
+              <a:ln>
+                <a:noFill/>
+              </a:ln>
+              <a:solidFill>
+                <a:srgbClr val="000000"/>
+              </a:solidFill>
+              <a:effectLst/>
+              <a:uLnTx/>
+              <a:uFillTx/>
+              <a:latin typeface="Arial" panose="020B0604020202020204"/>
+              <a:ea typeface="+mn-ea"/>
+              <a:cs typeface="+mn-cs"/>
+            </a:endParaRPr>
+          </a:p>
+        </p:txBody>
+      </p:sp>
+      <p:grpSp>
+        <p:nvGrpSpPr>
+          <p:cNvPr id="2" name="Group 1">
+            <a:extLst>
+              <a:ext uri="{FF2B5EF4-FFF2-40B4-BE49-F238E27FC236}">
+                <a16:creationId xmlns:a16="http://schemas.microsoft.com/office/drawing/2014/main" id="{640F1DBB-1CB0-59A8-59F6-B75E2C672D34}"/>
+              </a:ext>
+            </a:extLst>
+          </p:cNvPr>
+          <p:cNvGrpSpPr/>
+          <p:nvPr/>
+        </p:nvGrpSpPr>
+        <p:grpSpPr>
+          <a:xfrm>
+            <a:off x="245971" y="1286956"/>
+            <a:ext cx="3200192" cy="1656409"/>
+            <a:chOff x="1673717" y="1395987"/>
+            <a:chExt cx="4777874" cy="2442295"/>
+          </a:xfrm>
+        </p:grpSpPr>
+        <p:pic>
+          <p:nvPicPr>
+            <p:cNvPr id="13" name="Picture 12" descr="Graphical user interface, application&#10;&#10;Description automatically generated with medium confidence">
+              <a:extLst>
+                <a:ext uri="{FF2B5EF4-FFF2-40B4-BE49-F238E27FC236}">
+                  <a16:creationId xmlns:a16="http://schemas.microsoft.com/office/drawing/2014/main" id="{E6D3D589-40B6-E9AE-17D5-506B50DC87AF}"/>
+                </a:ext>
+              </a:extLst>
+            </p:cNvPr>
+            <p:cNvPicPr>
+              <a:picLocks noChangeAspect="1"/>
+            </p:cNvPicPr>
+            <p:nvPr/>
+          </p:nvPicPr>
+          <p:blipFill>
+            <a:blip r:embed="rId4"/>
+            <a:stretch>
+              <a:fillRect/>
+            </a:stretch>
+          </p:blipFill>
+          <p:spPr>
+            <a:xfrm>
+              <a:off x="1673717" y="1395987"/>
+              <a:ext cx="4777873" cy="601840"/>
+            </a:xfrm>
+            <a:prstGeom prst="rect">
+              <a:avLst/>
+            </a:prstGeom>
+          </p:spPr>
+        </p:pic>
+        <p:sp>
+          <p:nvSpPr>
+            <p:cNvPr id="14" name="Rectangle 13">
+              <a:extLst>
+                <a:ext uri="{FF2B5EF4-FFF2-40B4-BE49-F238E27FC236}">
+                  <a16:creationId xmlns:a16="http://schemas.microsoft.com/office/drawing/2014/main" id="{F9BF041C-374E-D3E8-E8EA-13D36BE3DDDE}"/>
+                </a:ext>
+              </a:extLst>
+            </p:cNvPr>
+            <p:cNvSpPr/>
+            <p:nvPr/>
+          </p:nvSpPr>
+          <p:spPr>
+            <a:xfrm>
+              <a:off x="1673718" y="1395987"/>
+              <a:ext cx="4777873" cy="2442295"/>
+            </a:xfrm>
+            <a:prstGeom prst="rect">
+              <a:avLst/>
+            </a:prstGeom>
+            <a:noFill/>
+            <a:ln>
+              <a:solidFill>
+                <a:schemeClr val="bg1">
+                  <a:lumMod val="85000"/>
+                </a:schemeClr>
+              </a:solidFill>
+            </a:ln>
+          </p:spPr>
+          <p:style>
+            <a:lnRef idx="2">
+              <a:schemeClr val="accent1">
+                <a:shade val="50000"/>
+              </a:schemeClr>
+            </a:lnRef>
+            <a:fillRef idx="1">
+              <a:schemeClr val="accent1"/>
+            </a:fillRef>
+            <a:effectRef idx="0">
+              <a:schemeClr val="accent1"/>
+            </a:effectRef>
+            <a:fontRef idx="minor">
+              <a:schemeClr val="lt1"/>
+            </a:fontRef>
+          </p:style>
+          <p:txBody>
+            <a:bodyPr rtlCol="0" anchor="ctr"/>
+            <a:lstStyle/>
+            <a:p>
+              <a:pPr algn="ctr"/>
+              <a:endParaRPr lang="en-US" sz="1100"/>
+            </a:p>
+          </p:txBody>
+        </p:sp>
+      </p:grpSp>
+      <p:sp>
+        <p:nvSpPr>
+          <p:cNvPr id="33" name="Rectangle 32">
+            <a:extLst>
+              <a:ext uri="{FF2B5EF4-FFF2-40B4-BE49-F238E27FC236}">
+                <a16:creationId xmlns:a16="http://schemas.microsoft.com/office/drawing/2014/main" id="{1B8F9BBD-4670-2577-E50E-AA1DB733D47C}"/>
+              </a:ext>
+            </a:extLst>
+          </p:cNvPr>
+          <p:cNvSpPr/>
+          <p:nvPr/>
+        </p:nvSpPr>
+        <p:spPr>
+          <a:xfrm>
+            <a:off x="3761557" y="3174853"/>
+            <a:ext cx="2373583" cy="1660681"/>
+          </a:xfrm>
+          <a:prstGeom prst="rect">
+            <a:avLst/>
+          </a:prstGeom>
+          <a:solidFill>
+            <a:schemeClr val="accent3">
+              <a:lumMod val="20000"/>
+              <a:lumOff val="80000"/>
+            </a:schemeClr>
+          </a:solidFill>
+          <a:ln>
+            <a:solidFill>
+              <a:schemeClr val="bg1">
+                <a:lumMod val="85000"/>
+              </a:schemeClr>
+            </a:solidFill>
+          </a:ln>
+        </p:spPr>
+        <p:style>
+          <a:lnRef idx="2">
+            <a:schemeClr val="accent1"/>
+          </a:lnRef>
+          <a:fillRef idx="1">
+            <a:schemeClr val="lt1"/>
+          </a:fillRef>
+          <a:effectRef idx="0">
+            <a:schemeClr val="accent1"/>
+          </a:effectRef>
+          <a:fontRef idx="minor">
+            <a:schemeClr val="dk1"/>
+          </a:fontRef>
+        </p:style>
+        <p:txBody>
+          <a:bodyPr rtlCol="0" anchor="b"/>
+          <a:lstStyle/>
+          <a:p>
+            <a:pPr algn="ctr"/>
+            <a:r>
+              <a:rPr lang="en-US" sz="700" dirty="0">
+                <a:solidFill>
+                  <a:schemeClr val="bg1">
+                    <a:lumMod val="50000"/>
+                  </a:schemeClr>
+                </a:solidFill>
+              </a:rPr>
+              <a:t>Production-Namespace</a:t>
+            </a:r>
+          </a:p>
+        </p:txBody>
+      </p:sp>
+      <p:sp>
+        <p:nvSpPr>
+          <p:cNvPr id="3" name="Rounded Rectangle 2">
+            <a:extLst>
+              <a:ext uri="{FF2B5EF4-FFF2-40B4-BE49-F238E27FC236}">
+                <a16:creationId xmlns:a16="http://schemas.microsoft.com/office/drawing/2014/main" id="{EB808547-50DF-7469-3C9D-3606623303C3}"/>
+              </a:ext>
+            </a:extLst>
+          </p:cNvPr>
+          <p:cNvSpPr/>
+          <p:nvPr/>
+        </p:nvSpPr>
+        <p:spPr>
+          <a:xfrm>
+            <a:off x="3828716" y="3296480"/>
+            <a:ext cx="1060160" cy="550307"/>
+          </a:xfrm>
+          <a:prstGeom prst="roundRect">
+            <a:avLst/>
+          </a:prstGeom>
+          <a:solidFill>
+            <a:schemeClr val="bg1"/>
+          </a:solidFill>
+          <a:ln>
+            <a:solidFill>
+              <a:schemeClr val="bg1">
+                <a:lumMod val="85000"/>
+              </a:schemeClr>
+            </a:solidFill>
+          </a:ln>
+        </p:spPr>
+        <p:style>
+          <a:lnRef idx="2">
+            <a:schemeClr val="accent1"/>
+          </a:lnRef>
+          <a:fillRef idx="1">
+            <a:schemeClr val="lt1"/>
+          </a:fillRef>
+          <a:effectRef idx="0">
+            <a:schemeClr val="accent1"/>
+          </a:effectRef>
+          <a:fontRef idx="minor">
+            <a:schemeClr val="dk1"/>
+          </a:fontRef>
+        </p:style>
+        <p:txBody>
+          <a:bodyPr rtlCol="0" anchor="t"/>
+          <a:lstStyle/>
+          <a:p>
+            <a:pPr algn="ctr"/>
+            <a:r>
+              <a:rPr lang="en-US" sz="700" dirty="0">
+                <a:solidFill>
+                  <a:schemeClr val="bg1">
+                    <a:lumMod val="50000"/>
+                  </a:schemeClr>
+                </a:solidFill>
+              </a:rPr>
+              <a:t>frontend-svc:80</a:t>
+            </a:r>
+          </a:p>
+        </p:txBody>
+      </p:sp>
+      <p:pic>
+        <p:nvPicPr>
+          <p:cNvPr id="4" name="Picture 4" descr="Your custom development solution with React JS| Ubidreams">
+            <a:extLst>
+              <a:ext uri="{FF2B5EF4-FFF2-40B4-BE49-F238E27FC236}">
+                <a16:creationId xmlns:a16="http://schemas.microsoft.com/office/drawing/2014/main" id="{0D81391F-92A3-905E-29D4-0FB4BC0ACE72}"/>
+              </a:ext>
+            </a:extLst>
+          </p:cNvPr>
+          <p:cNvPicPr>
+            <a:picLocks noChangeAspect="1" noChangeArrowheads="1"/>
+          </p:cNvPicPr>
+          <p:nvPr/>
+        </p:nvPicPr>
+        <p:blipFill>
+          <a:blip r:embed="rId5">
+            <a:extLst>
+              <a:ext uri="{28A0092B-C50C-407E-A947-70E740481C1C}">
+                <a14:useLocalDpi xmlns:a14="http://schemas.microsoft.com/office/drawing/2010/main" val="0"/>
+              </a:ext>
+            </a:extLst>
+          </a:blip>
+          <a:srcRect/>
+          <a:stretch>
+            <a:fillRect/>
+          </a:stretch>
+        </p:blipFill>
+        <p:spPr bwMode="auto">
+          <a:xfrm>
+            <a:off x="4151134" y="3495182"/>
+            <a:ext cx="415325" cy="272885"/>
+          </a:xfrm>
+          <a:prstGeom prst="rect">
+            <a:avLst/>
+          </a:prstGeom>
+          <a:noFill/>
+          <a:extLst>
+            <a:ext uri="{909E8E84-426E-40DD-AFC4-6F175D3DCCD1}">
+              <a14:hiddenFill xmlns:a14="http://schemas.microsoft.com/office/drawing/2010/main">
+                <a:solidFill>
+                  <a:srgbClr val="FFFFFF"/>
+                </a:solidFill>
+              </a14:hiddenFill>
+            </a:ext>
+          </a:extLst>
+        </p:spPr>
+      </p:pic>
+      <p:sp>
+        <p:nvSpPr>
+          <p:cNvPr id="5" name="Rounded Rectangle 4">
+            <a:extLst>
+              <a:ext uri="{FF2B5EF4-FFF2-40B4-BE49-F238E27FC236}">
+                <a16:creationId xmlns:a16="http://schemas.microsoft.com/office/drawing/2014/main" id="{48518E3F-6665-752E-20FC-743DC765195C}"/>
+              </a:ext>
+            </a:extLst>
+          </p:cNvPr>
+          <p:cNvSpPr/>
+          <p:nvPr/>
+        </p:nvSpPr>
+        <p:spPr>
+          <a:xfrm>
+            <a:off x="4987734" y="3296480"/>
+            <a:ext cx="1060160" cy="550307"/>
+          </a:xfrm>
+          <a:prstGeom prst="roundRect">
+            <a:avLst/>
+          </a:prstGeom>
+          <a:solidFill>
+            <a:schemeClr val="bg1"/>
+          </a:solidFill>
+          <a:ln>
+            <a:solidFill>
+              <a:schemeClr val="bg1">
+                <a:lumMod val="85000"/>
+              </a:schemeClr>
+            </a:solidFill>
+          </a:ln>
+        </p:spPr>
+        <p:style>
+          <a:lnRef idx="2">
+            <a:schemeClr val="accent1"/>
+          </a:lnRef>
+          <a:fillRef idx="1">
+            <a:schemeClr val="lt1"/>
+          </a:fillRef>
+          <a:effectRef idx="0">
+            <a:schemeClr val="accent1"/>
+          </a:effectRef>
+          <a:fontRef idx="minor">
+            <a:schemeClr val="dk1"/>
+          </a:fontRef>
+        </p:style>
+        <p:txBody>
+          <a:bodyPr rtlCol="0" anchor="t"/>
+          <a:lstStyle/>
+          <a:p>
+            <a:pPr algn="ctr"/>
+            <a:r>
+              <a:rPr lang="en-US" sz="700" dirty="0">
+                <a:solidFill>
+                  <a:schemeClr val="bg1">
+                    <a:lumMod val="50000"/>
+                  </a:schemeClr>
+                </a:solidFill>
+              </a:rPr>
+              <a:t>backend-svc:8080</a:t>
+            </a:r>
+          </a:p>
+        </p:txBody>
+      </p:sp>
+      <p:pic>
+        <p:nvPicPr>
+          <p:cNvPr id="7" name="Picture 6" descr="What Is the Future of Node.js? Node.js Benefits | LITSLINK Blog">
+            <a:extLst>
+              <a:ext uri="{FF2B5EF4-FFF2-40B4-BE49-F238E27FC236}">
+                <a16:creationId xmlns:a16="http://schemas.microsoft.com/office/drawing/2014/main" id="{8C6F964B-9769-0C60-066A-4338C5B1D8F1}"/>
+              </a:ext>
+            </a:extLst>
+          </p:cNvPr>
+          <p:cNvPicPr>
+            <a:picLocks noChangeAspect="1" noChangeArrowheads="1"/>
+          </p:cNvPicPr>
+          <p:nvPr/>
+        </p:nvPicPr>
+        <p:blipFill>
+          <a:blip r:embed="rId6">
+            <a:extLst>
+              <a:ext uri="{28A0092B-C50C-407E-A947-70E740481C1C}">
+                <a14:useLocalDpi xmlns:a14="http://schemas.microsoft.com/office/drawing/2010/main" val="0"/>
+              </a:ext>
+            </a:extLst>
+          </a:blip>
+          <a:srcRect/>
+          <a:stretch>
+            <a:fillRect/>
+          </a:stretch>
+        </p:blipFill>
+        <p:spPr bwMode="auto">
+          <a:xfrm>
+            <a:off x="5213923" y="3490535"/>
+            <a:ext cx="607781" cy="347888"/>
+          </a:xfrm>
+          <a:prstGeom prst="rect">
+            <a:avLst/>
+          </a:prstGeom>
+          <a:noFill/>
+          <a:extLst>
+            <a:ext uri="{909E8E84-426E-40DD-AFC4-6F175D3DCCD1}">
+              <a14:hiddenFill xmlns:a14="http://schemas.microsoft.com/office/drawing/2010/main">
+                <a:solidFill>
+                  <a:srgbClr val="FFFFFF"/>
+                </a:solidFill>
+              </a14:hiddenFill>
+            </a:ext>
+          </a:extLst>
+        </p:spPr>
+      </p:pic>
+      <p:sp>
+        <p:nvSpPr>
+          <p:cNvPr id="8" name="Rounded Rectangle 7">
+            <a:extLst>
+              <a:ext uri="{FF2B5EF4-FFF2-40B4-BE49-F238E27FC236}">
+                <a16:creationId xmlns:a16="http://schemas.microsoft.com/office/drawing/2014/main" id="{B1AB854C-C8AB-E182-EFEE-2F8142420B2C}"/>
+              </a:ext>
+            </a:extLst>
+          </p:cNvPr>
+          <p:cNvSpPr/>
+          <p:nvPr/>
+        </p:nvSpPr>
+        <p:spPr>
+          <a:xfrm>
+            <a:off x="4987734" y="4040842"/>
+            <a:ext cx="1060160" cy="550307"/>
+          </a:xfrm>
+          <a:prstGeom prst="roundRect">
+            <a:avLst/>
+          </a:prstGeom>
+          <a:solidFill>
+            <a:schemeClr val="bg1"/>
+          </a:solidFill>
+          <a:ln>
+            <a:solidFill>
+              <a:schemeClr val="bg1">
+                <a:lumMod val="85000"/>
+              </a:schemeClr>
+            </a:solidFill>
+          </a:ln>
+        </p:spPr>
+        <p:style>
+          <a:lnRef idx="2">
+            <a:schemeClr val="accent1"/>
+          </a:lnRef>
+          <a:fillRef idx="1">
+            <a:schemeClr val="lt1"/>
+          </a:fillRef>
+          <a:effectRef idx="0">
+            <a:schemeClr val="accent1"/>
+          </a:effectRef>
+          <a:fontRef idx="minor">
+            <a:schemeClr val="dk1"/>
+          </a:fontRef>
+        </p:style>
+        <p:txBody>
+          <a:bodyPr rtlCol="0" anchor="t"/>
+          <a:lstStyle/>
+          <a:p>
+            <a:pPr algn="ctr"/>
+            <a:r>
+              <a:rPr lang="en-US" sz="700" dirty="0">
+                <a:solidFill>
+                  <a:schemeClr val="bg1">
+                    <a:lumMod val="50000"/>
+                  </a:schemeClr>
+                </a:solidFill>
+              </a:rPr>
+              <a:t>database-svc:27017</a:t>
+            </a:r>
+          </a:p>
+        </p:txBody>
+      </p:sp>
+      <p:pic>
+        <p:nvPicPr>
+          <p:cNvPr id="9" name="Picture 2" descr="MongoDB | The Software Report">
+            <a:extLst>
+              <a:ext uri="{FF2B5EF4-FFF2-40B4-BE49-F238E27FC236}">
+                <a16:creationId xmlns:a16="http://schemas.microsoft.com/office/drawing/2014/main" id="{7F89E44B-9E95-E1FB-08A9-BB9C33C05590}"/>
+              </a:ext>
+            </a:extLst>
+          </p:cNvPr>
+          <p:cNvPicPr>
+            <a:picLocks noChangeAspect="1" noChangeArrowheads="1"/>
+          </p:cNvPicPr>
+          <p:nvPr/>
+        </p:nvPicPr>
+        <p:blipFill>
+          <a:blip r:embed="rId7">
+            <a:extLst>
+              <a:ext uri="{28A0092B-C50C-407E-A947-70E740481C1C}">
+                <a14:useLocalDpi xmlns:a14="http://schemas.microsoft.com/office/drawing/2010/main" val="0"/>
+              </a:ext>
+            </a:extLst>
+          </a:blip>
+          <a:srcRect/>
+          <a:stretch>
+            <a:fillRect/>
+          </a:stretch>
+        </p:blipFill>
+        <p:spPr bwMode="auto">
+          <a:xfrm>
+            <a:off x="5222091" y="4319654"/>
+            <a:ext cx="607781" cy="163815"/>
+          </a:xfrm>
+          <a:prstGeom prst="rect">
+            <a:avLst/>
+          </a:prstGeom>
+          <a:noFill/>
+          <a:extLst>
+            <a:ext uri="{909E8E84-426E-40DD-AFC4-6F175D3DCCD1}">
+              <a14:hiddenFill xmlns:a14="http://schemas.microsoft.com/office/drawing/2010/main">
+                <a:solidFill>
+                  <a:srgbClr val="FFFFFF"/>
+                </a:solidFill>
+              </a14:hiddenFill>
+            </a:ext>
+          </a:extLst>
+        </p:spPr>
+      </p:pic>
+      <p:cxnSp>
+        <p:nvCxnSpPr>
+          <p:cNvPr id="55" name="Straight Arrow Connector 54">
+            <a:extLst>
+              <a:ext uri="{FF2B5EF4-FFF2-40B4-BE49-F238E27FC236}">
+                <a16:creationId xmlns:a16="http://schemas.microsoft.com/office/drawing/2014/main" id="{9C4FC0BA-4AFD-84FF-AF8E-72A5980EC170}"/>
+              </a:ext>
+            </a:extLst>
+          </p:cNvPr>
+          <p:cNvCxnSpPr>
+            <a:cxnSpLocks/>
+            <a:endCxn id="3" idx="0"/>
+          </p:cNvCxnSpPr>
+          <p:nvPr/>
+        </p:nvCxnSpPr>
+        <p:spPr>
+          <a:xfrm flipH="1">
+            <a:off x="4358796" y="2762832"/>
+            <a:ext cx="589552" cy="533648"/>
+          </a:xfrm>
+          <a:prstGeom prst="straightConnector1">
+            <a:avLst/>
+          </a:prstGeom>
+          <a:ln>
+            <a:tailEnd type="triangle"/>
+          </a:ln>
+        </p:spPr>
+        <p:style>
+          <a:lnRef idx="1">
+            <a:schemeClr val="dk1"/>
+          </a:lnRef>
+          <a:fillRef idx="0">
+            <a:schemeClr val="dk1"/>
+          </a:fillRef>
+          <a:effectRef idx="0">
+            <a:schemeClr val="dk1"/>
+          </a:effectRef>
+          <a:fontRef idx="minor">
+            <a:schemeClr val="tx1"/>
+          </a:fontRef>
+        </p:style>
+      </p:cxnSp>
+      <p:sp>
+        <p:nvSpPr>
+          <p:cNvPr id="58" name="TextBox 57">
+            <a:extLst>
+              <a:ext uri="{FF2B5EF4-FFF2-40B4-BE49-F238E27FC236}">
+                <a16:creationId xmlns:a16="http://schemas.microsoft.com/office/drawing/2014/main" id="{7B8F9249-F692-5E22-42CF-8A0D9FEE538D}"/>
+              </a:ext>
+            </a:extLst>
+          </p:cNvPr>
+          <p:cNvSpPr txBox="1"/>
+          <p:nvPr/>
+        </p:nvSpPr>
+        <p:spPr>
+          <a:xfrm>
+            <a:off x="4378895" y="2943365"/>
+            <a:ext cx="460740" cy="188648"/>
+          </a:xfrm>
+          <a:prstGeom prst="rect">
+            <a:avLst/>
+          </a:prstGeom>
+          <a:solidFill>
+            <a:schemeClr val="bg1"/>
+          </a:solidFill>
+          <a:ln>
+            <a:noFill/>
+          </a:ln>
+        </p:spPr>
+        <p:style>
+          <a:lnRef idx="2">
+            <a:schemeClr val="accent1"/>
+          </a:lnRef>
+          <a:fillRef idx="1">
+            <a:schemeClr val="lt1"/>
+          </a:fillRef>
+          <a:effectRef idx="0">
+            <a:schemeClr val="accent1"/>
+          </a:effectRef>
+          <a:fontRef idx="minor">
+            <a:schemeClr val="dk1"/>
+          </a:fontRef>
+        </p:style>
+        <p:txBody>
+          <a:bodyPr rtlCol="0" anchor="t"/>
+          <a:lstStyle>
+            <a:defPPr>
+              <a:defRPr lang="en-US"/>
+            </a:defPPr>
+            <a:lvl1pPr algn="ctr">
+              <a:defRPr sz="800">
+                <a:solidFill>
+                  <a:schemeClr val="bg1">
+                    <a:lumMod val="50000"/>
+                  </a:schemeClr>
+                </a:solidFill>
+              </a:defRPr>
+            </a:lvl1pPr>
+            <a:lvl2pPr>
+              <a:defRPr>
+                <a:solidFill>
+                  <a:schemeClr val="dk1"/>
+                </a:solidFill>
+              </a:defRPr>
+            </a:lvl2pPr>
+            <a:lvl3pPr>
+              <a:defRPr>
+                <a:solidFill>
+                  <a:schemeClr val="dk1"/>
+                </a:solidFill>
+              </a:defRPr>
+            </a:lvl3pPr>
+            <a:lvl4pPr>
+              <a:defRPr>
+                <a:solidFill>
+                  <a:schemeClr val="dk1"/>
+                </a:solidFill>
+              </a:defRPr>
+            </a:lvl4pPr>
+            <a:lvl5pPr>
+              <a:defRPr>
+                <a:solidFill>
+                  <a:schemeClr val="dk1"/>
+                </a:solidFill>
+              </a:defRPr>
+            </a:lvl5pPr>
+            <a:lvl6pPr>
+              <a:defRPr>
+                <a:solidFill>
+                  <a:schemeClr val="dk1"/>
+                </a:solidFill>
+              </a:defRPr>
+            </a:lvl6pPr>
+            <a:lvl7pPr>
+              <a:defRPr>
+                <a:solidFill>
+                  <a:schemeClr val="dk1"/>
+                </a:solidFill>
+              </a:defRPr>
+            </a:lvl7pPr>
+            <a:lvl8pPr>
+              <a:defRPr>
+                <a:solidFill>
+                  <a:schemeClr val="dk1"/>
+                </a:solidFill>
+              </a:defRPr>
+            </a:lvl8pPr>
+            <a:lvl9pPr>
+              <a:defRPr>
+                <a:solidFill>
+                  <a:schemeClr val="dk1"/>
+                </a:solidFill>
+              </a:defRPr>
+            </a:lvl9pPr>
+          </a:lstStyle>
+          <a:p>
+            <a:pPr algn="l"/>
+            <a:r>
+              <a:rPr lang="en-AU" sz="700" dirty="0">
+                <a:solidFill>
+                  <a:srgbClr val="C00000"/>
+                </a:solidFill>
+              </a:rPr>
+              <a:t>path: /</a:t>
+            </a:r>
+          </a:p>
+        </p:txBody>
+      </p:sp>
+      <p:cxnSp>
+        <p:nvCxnSpPr>
+          <p:cNvPr id="60" name="Straight Arrow Connector 59">
+            <a:extLst>
+              <a:ext uri="{FF2B5EF4-FFF2-40B4-BE49-F238E27FC236}">
+                <a16:creationId xmlns:a16="http://schemas.microsoft.com/office/drawing/2014/main" id="{6B845415-DC86-9AA4-AAB8-1EE29AE2EB83}"/>
+              </a:ext>
+            </a:extLst>
+          </p:cNvPr>
+          <p:cNvCxnSpPr>
+            <a:cxnSpLocks/>
+            <a:endCxn id="5" idx="0"/>
+          </p:cNvCxnSpPr>
+          <p:nvPr/>
+        </p:nvCxnSpPr>
+        <p:spPr>
+          <a:xfrm>
+            <a:off x="4948348" y="2762832"/>
+            <a:ext cx="569466" cy="533648"/>
+          </a:xfrm>
+          <a:prstGeom prst="straightConnector1">
+            <a:avLst/>
+          </a:prstGeom>
+          <a:ln>
+            <a:tailEnd type="triangle"/>
+          </a:ln>
+        </p:spPr>
+        <p:style>
+          <a:lnRef idx="1">
+            <a:schemeClr val="dk1"/>
+          </a:lnRef>
+          <a:fillRef idx="0">
+            <a:schemeClr val="dk1"/>
+          </a:fillRef>
+          <a:effectRef idx="0">
+            <a:schemeClr val="dk1"/>
+          </a:effectRef>
+          <a:fontRef idx="minor">
+            <a:schemeClr val="tx1"/>
+          </a:fontRef>
+        </p:style>
+      </p:cxnSp>
+      <p:sp>
+        <p:nvSpPr>
+          <p:cNvPr id="64" name="TextBox 63">
+            <a:extLst>
+              <a:ext uri="{FF2B5EF4-FFF2-40B4-BE49-F238E27FC236}">
+                <a16:creationId xmlns:a16="http://schemas.microsoft.com/office/drawing/2014/main" id="{7137A92D-8346-9955-6684-87CC5A638A3C}"/>
+              </a:ext>
+            </a:extLst>
+          </p:cNvPr>
+          <p:cNvSpPr txBox="1"/>
+          <p:nvPr/>
+        </p:nvSpPr>
+        <p:spPr>
+          <a:xfrm>
+            <a:off x="4987734" y="2940195"/>
+            <a:ext cx="586883" cy="188648"/>
+          </a:xfrm>
+          <a:prstGeom prst="rect">
+            <a:avLst/>
+          </a:prstGeom>
+          <a:solidFill>
+            <a:schemeClr val="bg1"/>
+          </a:solidFill>
+          <a:ln>
+            <a:noFill/>
+          </a:ln>
+        </p:spPr>
+        <p:style>
+          <a:lnRef idx="2">
+            <a:schemeClr val="accent1"/>
+          </a:lnRef>
+          <a:fillRef idx="1">
+            <a:schemeClr val="lt1"/>
+          </a:fillRef>
+          <a:effectRef idx="0">
+            <a:schemeClr val="accent1"/>
+          </a:effectRef>
+          <a:fontRef idx="minor">
+            <a:schemeClr val="dk1"/>
+          </a:fontRef>
+        </p:style>
+        <p:txBody>
+          <a:bodyPr rtlCol="0" anchor="t"/>
+          <a:lstStyle>
+            <a:defPPr>
+              <a:defRPr lang="en-US"/>
+            </a:defPPr>
+            <a:lvl1pPr algn="ctr">
+              <a:defRPr sz="800">
+                <a:solidFill>
+                  <a:schemeClr val="bg1">
+                    <a:lumMod val="50000"/>
+                  </a:schemeClr>
+                </a:solidFill>
+              </a:defRPr>
+            </a:lvl1pPr>
+            <a:lvl2pPr>
+              <a:defRPr>
+                <a:solidFill>
+                  <a:schemeClr val="dk1"/>
+                </a:solidFill>
+              </a:defRPr>
+            </a:lvl2pPr>
+            <a:lvl3pPr>
+              <a:defRPr>
+                <a:solidFill>
+                  <a:schemeClr val="dk1"/>
+                </a:solidFill>
+              </a:defRPr>
+            </a:lvl3pPr>
+            <a:lvl4pPr>
+              <a:defRPr>
+                <a:solidFill>
+                  <a:schemeClr val="dk1"/>
+                </a:solidFill>
+              </a:defRPr>
+            </a:lvl4pPr>
+            <a:lvl5pPr>
+              <a:defRPr>
+                <a:solidFill>
+                  <a:schemeClr val="dk1"/>
+                </a:solidFill>
+              </a:defRPr>
+            </a:lvl5pPr>
+            <a:lvl6pPr>
+              <a:defRPr>
+                <a:solidFill>
+                  <a:schemeClr val="dk1"/>
+                </a:solidFill>
+              </a:defRPr>
+            </a:lvl6pPr>
+            <a:lvl7pPr>
+              <a:defRPr>
+                <a:solidFill>
+                  <a:schemeClr val="dk1"/>
+                </a:solidFill>
+              </a:defRPr>
+            </a:lvl7pPr>
+            <a:lvl8pPr>
+              <a:defRPr>
+                <a:solidFill>
+                  <a:schemeClr val="dk1"/>
+                </a:solidFill>
+              </a:defRPr>
+            </a:lvl8pPr>
+            <a:lvl9pPr>
+              <a:defRPr>
+                <a:solidFill>
+                  <a:schemeClr val="dk1"/>
+                </a:solidFill>
+              </a:defRPr>
+            </a:lvl9pPr>
+          </a:lstStyle>
+          <a:p>
+            <a:pPr algn="l"/>
+            <a:r>
+              <a:rPr lang="en-AU" sz="700" dirty="0">
+                <a:solidFill>
+                  <a:srgbClr val="C00000"/>
+                </a:solidFill>
+              </a:rPr>
+              <a:t>path: /api</a:t>
+            </a:r>
+          </a:p>
+        </p:txBody>
+      </p:sp>
+      <p:cxnSp>
+        <p:nvCxnSpPr>
+          <p:cNvPr id="66" name="Straight Arrow Connector 65">
+            <a:extLst>
+              <a:ext uri="{FF2B5EF4-FFF2-40B4-BE49-F238E27FC236}">
+                <a16:creationId xmlns:a16="http://schemas.microsoft.com/office/drawing/2014/main" id="{F86C8C40-36F1-65B4-FE7A-DF0A0BB743E3}"/>
+              </a:ext>
+            </a:extLst>
+          </p:cNvPr>
+          <p:cNvCxnSpPr>
+            <a:cxnSpLocks/>
+            <a:stCxn id="7" idx="2"/>
+            <a:endCxn id="8" idx="0"/>
+          </p:cNvCxnSpPr>
+          <p:nvPr/>
+        </p:nvCxnSpPr>
+        <p:spPr>
+          <a:xfrm>
+            <a:off x="5517814" y="3838423"/>
+            <a:ext cx="0" cy="202419"/>
+          </a:xfrm>
+          <a:prstGeom prst="straightConnector1">
+            <a:avLst/>
+          </a:prstGeom>
+          <a:ln>
+            <a:tailEnd type="triangle"/>
+          </a:ln>
+        </p:spPr>
+        <p:style>
+          <a:lnRef idx="1">
+            <a:schemeClr val="dk1"/>
+          </a:lnRef>
+          <a:fillRef idx="0">
+            <a:schemeClr val="dk1"/>
+          </a:fillRef>
+          <a:effectRef idx="0">
+            <a:schemeClr val="dk1"/>
+          </a:effectRef>
+          <a:fontRef idx="minor">
+            <a:schemeClr val="tx1"/>
+          </a:fontRef>
+        </p:style>
+      </p:cxnSp>
+      <p:sp>
+        <p:nvSpPr>
+          <p:cNvPr id="47" name="Rectangle 46">
+            <a:extLst>
+              <a:ext uri="{FF2B5EF4-FFF2-40B4-BE49-F238E27FC236}">
+                <a16:creationId xmlns:a16="http://schemas.microsoft.com/office/drawing/2014/main" id="{1AA33E78-8EDA-87B0-992D-6C9567ECB341}"/>
+              </a:ext>
+            </a:extLst>
+          </p:cNvPr>
+          <p:cNvSpPr/>
+          <p:nvPr/>
+        </p:nvSpPr>
+        <p:spPr>
+          <a:xfrm>
+            <a:off x="6506511" y="3173825"/>
+            <a:ext cx="2373583" cy="1660681"/>
+          </a:xfrm>
+          <a:prstGeom prst="rect">
+            <a:avLst/>
+          </a:prstGeom>
+          <a:solidFill>
+            <a:schemeClr val="accent3">
+              <a:lumMod val="20000"/>
+              <a:lumOff val="80000"/>
+            </a:schemeClr>
+          </a:solidFill>
+          <a:ln>
+            <a:solidFill>
+              <a:schemeClr val="bg1">
+                <a:lumMod val="85000"/>
+              </a:schemeClr>
+            </a:solidFill>
+          </a:ln>
+        </p:spPr>
+        <p:style>
+          <a:lnRef idx="2">
+            <a:schemeClr val="accent1"/>
+          </a:lnRef>
+          <a:fillRef idx="1">
+            <a:schemeClr val="lt1"/>
+          </a:fillRef>
+          <a:effectRef idx="0">
+            <a:schemeClr val="accent1"/>
+          </a:effectRef>
+          <a:fontRef idx="minor">
+            <a:schemeClr val="dk1"/>
+          </a:fontRef>
+        </p:style>
+        <p:txBody>
+          <a:bodyPr rtlCol="0" anchor="b"/>
+          <a:lstStyle/>
+          <a:p>
+            <a:pPr algn="ctr"/>
+            <a:r>
+              <a:rPr lang="en-US" sz="700" dirty="0">
+                <a:solidFill>
+                  <a:schemeClr val="bg1">
+                    <a:lumMod val="50000"/>
+                  </a:schemeClr>
+                </a:solidFill>
+              </a:rPr>
+              <a:t>Test-Namespace</a:t>
+            </a:r>
+          </a:p>
+        </p:txBody>
+      </p:sp>
+      <p:sp>
+        <p:nvSpPr>
+          <p:cNvPr id="51" name="Rounded Rectangle 50">
+            <a:extLst>
+              <a:ext uri="{FF2B5EF4-FFF2-40B4-BE49-F238E27FC236}">
+                <a16:creationId xmlns:a16="http://schemas.microsoft.com/office/drawing/2014/main" id="{F05F7108-CAF9-FA98-77C8-817ED2D11FC3}"/>
+              </a:ext>
+            </a:extLst>
+          </p:cNvPr>
+          <p:cNvSpPr/>
+          <p:nvPr/>
+        </p:nvSpPr>
+        <p:spPr>
+          <a:xfrm>
+            <a:off x="6573671" y="3295452"/>
+            <a:ext cx="1060160" cy="550307"/>
+          </a:xfrm>
+          <a:prstGeom prst="roundRect">
+            <a:avLst/>
+          </a:prstGeom>
+          <a:solidFill>
+            <a:schemeClr val="bg1"/>
+          </a:solidFill>
+          <a:ln>
+            <a:solidFill>
+              <a:schemeClr val="bg1">
+                <a:lumMod val="85000"/>
+              </a:schemeClr>
+            </a:solidFill>
+          </a:ln>
+        </p:spPr>
+        <p:style>
+          <a:lnRef idx="2">
+            <a:schemeClr val="accent1"/>
+          </a:lnRef>
+          <a:fillRef idx="1">
+            <a:schemeClr val="lt1"/>
+          </a:fillRef>
+          <a:effectRef idx="0">
+            <a:schemeClr val="accent1"/>
+          </a:effectRef>
+          <a:fontRef idx="minor">
+            <a:schemeClr val="dk1"/>
+          </a:fontRef>
+        </p:style>
+        <p:txBody>
+          <a:bodyPr rtlCol="0" anchor="t"/>
+          <a:lstStyle/>
+          <a:p>
+            <a:pPr algn="ctr"/>
+            <a:r>
+              <a:rPr lang="en-US" sz="700" dirty="0">
+                <a:solidFill>
+                  <a:schemeClr val="bg1">
+                    <a:lumMod val="50000"/>
+                  </a:schemeClr>
+                </a:solidFill>
+              </a:rPr>
+              <a:t>frontend-svc:80</a:t>
+            </a:r>
+          </a:p>
+        </p:txBody>
+      </p:sp>
+      <p:pic>
+        <p:nvPicPr>
+          <p:cNvPr id="52" name="Picture 4" descr="Your custom development solution with React JS| Ubidreams">
+            <a:extLst>
+              <a:ext uri="{FF2B5EF4-FFF2-40B4-BE49-F238E27FC236}">
+                <a16:creationId xmlns:a16="http://schemas.microsoft.com/office/drawing/2014/main" id="{45C63811-9402-02CA-BBA6-1EB74D99D59F}"/>
+              </a:ext>
+            </a:extLst>
+          </p:cNvPr>
+          <p:cNvPicPr>
+            <a:picLocks noChangeAspect="1" noChangeArrowheads="1"/>
+          </p:cNvPicPr>
+          <p:nvPr/>
+        </p:nvPicPr>
+        <p:blipFill>
+          <a:blip r:embed="rId5">
+            <a:extLst>
+              <a:ext uri="{28A0092B-C50C-407E-A947-70E740481C1C}">
+                <a14:useLocalDpi xmlns:a14="http://schemas.microsoft.com/office/drawing/2010/main" val="0"/>
+              </a:ext>
+            </a:extLst>
+          </a:blip>
+          <a:srcRect/>
+          <a:stretch>
+            <a:fillRect/>
+          </a:stretch>
+        </p:blipFill>
+        <p:spPr bwMode="auto">
+          <a:xfrm>
+            <a:off x="6896088" y="3494154"/>
+            <a:ext cx="415325" cy="272885"/>
+          </a:xfrm>
+          <a:prstGeom prst="rect">
+            <a:avLst/>
+          </a:prstGeom>
+          <a:noFill/>
+          <a:extLst>
+            <a:ext uri="{909E8E84-426E-40DD-AFC4-6F175D3DCCD1}">
+              <a14:hiddenFill xmlns:a14="http://schemas.microsoft.com/office/drawing/2010/main">
+                <a:solidFill>
+                  <a:srgbClr val="FFFFFF"/>
+                </a:solidFill>
+              </a14:hiddenFill>
+            </a:ext>
+          </a:extLst>
+        </p:spPr>
+      </p:pic>
+      <p:sp>
+        <p:nvSpPr>
+          <p:cNvPr id="53" name="Rounded Rectangle 52">
+            <a:extLst>
+              <a:ext uri="{FF2B5EF4-FFF2-40B4-BE49-F238E27FC236}">
+                <a16:creationId xmlns:a16="http://schemas.microsoft.com/office/drawing/2014/main" id="{AB6060E4-D0E9-9704-314F-A2B502ABE203}"/>
+              </a:ext>
+            </a:extLst>
+          </p:cNvPr>
+          <p:cNvSpPr/>
+          <p:nvPr/>
+        </p:nvSpPr>
+        <p:spPr>
+          <a:xfrm>
+            <a:off x="7732688" y="3295452"/>
+            <a:ext cx="1060160" cy="550307"/>
+          </a:xfrm>
+          <a:prstGeom prst="roundRect">
+            <a:avLst/>
+          </a:prstGeom>
+          <a:solidFill>
+            <a:schemeClr val="bg1"/>
+          </a:solidFill>
+          <a:ln>
+            <a:solidFill>
+              <a:schemeClr val="bg1">
+                <a:lumMod val="85000"/>
+              </a:schemeClr>
+            </a:solidFill>
+          </a:ln>
+        </p:spPr>
+        <p:style>
+          <a:lnRef idx="2">
+            <a:schemeClr val="accent1"/>
+          </a:lnRef>
+          <a:fillRef idx="1">
+            <a:schemeClr val="lt1"/>
+          </a:fillRef>
+          <a:effectRef idx="0">
+            <a:schemeClr val="accent1"/>
+          </a:effectRef>
+          <a:fontRef idx="minor">
+            <a:schemeClr val="dk1"/>
+          </a:fontRef>
+        </p:style>
+        <p:txBody>
+          <a:bodyPr rtlCol="0" anchor="t"/>
+          <a:lstStyle/>
+          <a:p>
+            <a:pPr algn="ctr"/>
+            <a:r>
+              <a:rPr lang="en-US" sz="700" dirty="0">
+                <a:solidFill>
+                  <a:schemeClr val="bg1">
+                    <a:lumMod val="50000"/>
+                  </a:schemeClr>
+                </a:solidFill>
+              </a:rPr>
+              <a:t>backend-svc:8080</a:t>
+            </a:r>
+          </a:p>
+        </p:txBody>
+      </p:sp>
+      <p:pic>
+        <p:nvPicPr>
+          <p:cNvPr id="54" name="Picture 53" descr="What Is the Future of Node.js? Node.js Benefits | LITSLINK Blog">
+            <a:extLst>
+              <a:ext uri="{FF2B5EF4-FFF2-40B4-BE49-F238E27FC236}">
+                <a16:creationId xmlns:a16="http://schemas.microsoft.com/office/drawing/2014/main" id="{1BDBB438-3C13-F66B-1D29-8E7460E7B815}"/>
+              </a:ext>
+            </a:extLst>
+          </p:cNvPr>
+          <p:cNvPicPr>
+            <a:picLocks noChangeAspect="1" noChangeArrowheads="1"/>
+          </p:cNvPicPr>
+          <p:nvPr/>
+        </p:nvPicPr>
+        <p:blipFill>
+          <a:blip r:embed="rId6">
+            <a:extLst>
+              <a:ext uri="{28A0092B-C50C-407E-A947-70E740481C1C}">
+                <a14:useLocalDpi xmlns:a14="http://schemas.microsoft.com/office/drawing/2010/main" val="0"/>
+              </a:ext>
+            </a:extLst>
+          </a:blip>
+          <a:srcRect/>
+          <a:stretch>
+            <a:fillRect/>
+          </a:stretch>
+        </p:blipFill>
+        <p:spPr bwMode="auto">
+          <a:xfrm>
+            <a:off x="7958878" y="3489507"/>
+            <a:ext cx="607781" cy="347888"/>
+          </a:xfrm>
+          <a:prstGeom prst="rect">
+            <a:avLst/>
+          </a:prstGeom>
+          <a:noFill/>
+          <a:extLst>
+            <a:ext uri="{909E8E84-426E-40DD-AFC4-6F175D3DCCD1}">
+              <a14:hiddenFill xmlns:a14="http://schemas.microsoft.com/office/drawing/2010/main">
+                <a:solidFill>
+                  <a:srgbClr val="FFFFFF"/>
+                </a:solidFill>
+              </a14:hiddenFill>
+            </a:ext>
+          </a:extLst>
+        </p:spPr>
+      </p:pic>
+      <p:sp>
+        <p:nvSpPr>
+          <p:cNvPr id="56" name="Rounded Rectangle 55">
+            <a:extLst>
+              <a:ext uri="{FF2B5EF4-FFF2-40B4-BE49-F238E27FC236}">
+                <a16:creationId xmlns:a16="http://schemas.microsoft.com/office/drawing/2014/main" id="{EC8E22D8-0BE5-3D25-9980-972B0D0A2899}"/>
+              </a:ext>
+            </a:extLst>
+          </p:cNvPr>
+          <p:cNvSpPr/>
+          <p:nvPr/>
+        </p:nvSpPr>
+        <p:spPr>
+          <a:xfrm>
+            <a:off x="7732688" y="4039814"/>
+            <a:ext cx="1060160" cy="550307"/>
+          </a:xfrm>
+          <a:prstGeom prst="roundRect">
+            <a:avLst/>
+          </a:prstGeom>
+          <a:solidFill>
+            <a:schemeClr val="bg1"/>
+          </a:solidFill>
+          <a:ln>
+            <a:solidFill>
+              <a:schemeClr val="bg1">
+                <a:lumMod val="85000"/>
+              </a:schemeClr>
+            </a:solidFill>
+          </a:ln>
+        </p:spPr>
+        <p:style>
+          <a:lnRef idx="2">
+            <a:schemeClr val="accent1"/>
+          </a:lnRef>
+          <a:fillRef idx="1">
+            <a:schemeClr val="lt1"/>
+          </a:fillRef>
+          <a:effectRef idx="0">
+            <a:schemeClr val="accent1"/>
+          </a:effectRef>
+          <a:fontRef idx="minor">
+            <a:schemeClr val="dk1"/>
+          </a:fontRef>
+        </p:style>
+        <p:txBody>
+          <a:bodyPr rtlCol="0" anchor="t"/>
+          <a:lstStyle/>
+          <a:p>
+            <a:pPr algn="ctr"/>
+            <a:r>
+              <a:rPr lang="en-US" sz="700" dirty="0">
+                <a:solidFill>
+                  <a:schemeClr val="bg1">
+                    <a:lumMod val="50000"/>
+                  </a:schemeClr>
+                </a:solidFill>
+              </a:rPr>
+              <a:t>database-svc:27017</a:t>
+            </a:r>
+          </a:p>
+        </p:txBody>
+      </p:sp>
+      <p:pic>
+        <p:nvPicPr>
+          <p:cNvPr id="57" name="Picture 2" descr="MongoDB | The Software Report">
+            <a:extLst>
+              <a:ext uri="{FF2B5EF4-FFF2-40B4-BE49-F238E27FC236}">
+                <a16:creationId xmlns:a16="http://schemas.microsoft.com/office/drawing/2014/main" id="{64CA0BFE-F3E2-B63D-5BB0-39288E95B04A}"/>
+              </a:ext>
+            </a:extLst>
+          </p:cNvPr>
+          <p:cNvPicPr>
+            <a:picLocks noChangeAspect="1" noChangeArrowheads="1"/>
+          </p:cNvPicPr>
+          <p:nvPr/>
+        </p:nvPicPr>
+        <p:blipFill>
+          <a:blip r:embed="rId7">
+            <a:extLst>
+              <a:ext uri="{28A0092B-C50C-407E-A947-70E740481C1C}">
+                <a14:useLocalDpi xmlns:a14="http://schemas.microsoft.com/office/drawing/2010/main" val="0"/>
+              </a:ext>
+            </a:extLst>
+          </a:blip>
+          <a:srcRect/>
+          <a:stretch>
+            <a:fillRect/>
+          </a:stretch>
+        </p:blipFill>
+        <p:spPr bwMode="auto">
+          <a:xfrm>
+            <a:off x="7924181" y="4318626"/>
+            <a:ext cx="607781" cy="163815"/>
+          </a:xfrm>
+          <a:prstGeom prst="rect">
+            <a:avLst/>
+          </a:prstGeom>
+          <a:noFill/>
+          <a:extLst>
+            <a:ext uri="{909E8E84-426E-40DD-AFC4-6F175D3DCCD1}">
+              <a14:hiddenFill xmlns:a14="http://schemas.microsoft.com/office/drawing/2010/main">
+                <a:solidFill>
+                  <a:srgbClr val="FFFFFF"/>
+                </a:solidFill>
+              </a14:hiddenFill>
+            </a:ext>
+          </a:extLst>
+        </p:spPr>
+      </p:pic>
+      <p:cxnSp>
+        <p:nvCxnSpPr>
+          <p:cNvPr id="62" name="Straight Arrow Connector 61">
+            <a:extLst>
+              <a:ext uri="{FF2B5EF4-FFF2-40B4-BE49-F238E27FC236}">
+                <a16:creationId xmlns:a16="http://schemas.microsoft.com/office/drawing/2014/main" id="{111C8D50-E8A9-89CC-F8A1-1E57457BA904}"/>
+              </a:ext>
+            </a:extLst>
+          </p:cNvPr>
+          <p:cNvCxnSpPr>
+            <a:cxnSpLocks/>
+            <a:endCxn id="51" idx="0"/>
+          </p:cNvCxnSpPr>
+          <p:nvPr/>
+        </p:nvCxnSpPr>
+        <p:spPr>
+          <a:xfrm flipH="1">
+            <a:off x="7103751" y="2761804"/>
+            <a:ext cx="589552" cy="533648"/>
+          </a:xfrm>
+          <a:prstGeom prst="straightConnector1">
+            <a:avLst/>
+          </a:prstGeom>
+          <a:ln>
+            <a:tailEnd type="triangle"/>
+          </a:ln>
+        </p:spPr>
+        <p:style>
+          <a:lnRef idx="1">
+            <a:schemeClr val="dk1"/>
+          </a:lnRef>
+          <a:fillRef idx="0">
+            <a:schemeClr val="dk1"/>
+          </a:fillRef>
+          <a:effectRef idx="0">
+            <a:schemeClr val="dk1"/>
+          </a:effectRef>
+          <a:fontRef idx="minor">
+            <a:schemeClr val="tx1"/>
+          </a:fontRef>
+        </p:style>
+      </p:cxnSp>
+      <p:sp>
+        <p:nvSpPr>
+          <p:cNvPr id="63" name="TextBox 62">
+            <a:extLst>
+              <a:ext uri="{FF2B5EF4-FFF2-40B4-BE49-F238E27FC236}">
+                <a16:creationId xmlns:a16="http://schemas.microsoft.com/office/drawing/2014/main" id="{F0864F08-5B7C-F12F-232C-6991242A04D0}"/>
+              </a:ext>
+            </a:extLst>
+          </p:cNvPr>
+          <p:cNvSpPr txBox="1"/>
+          <p:nvPr/>
+        </p:nvSpPr>
+        <p:spPr>
+          <a:xfrm>
+            <a:off x="7123850" y="2942337"/>
+            <a:ext cx="460740" cy="188648"/>
+          </a:xfrm>
+          <a:prstGeom prst="rect">
+            <a:avLst/>
+          </a:prstGeom>
+          <a:solidFill>
+            <a:schemeClr val="bg1"/>
+          </a:solidFill>
+          <a:ln>
+            <a:noFill/>
+          </a:ln>
+        </p:spPr>
+        <p:style>
+          <a:lnRef idx="2">
+            <a:schemeClr val="accent1"/>
+          </a:lnRef>
+          <a:fillRef idx="1">
+            <a:schemeClr val="lt1"/>
+          </a:fillRef>
+          <a:effectRef idx="0">
+            <a:schemeClr val="accent1"/>
+          </a:effectRef>
+          <a:fontRef idx="minor">
+            <a:schemeClr val="dk1"/>
+          </a:fontRef>
+        </p:style>
+        <p:txBody>
+          <a:bodyPr rtlCol="0" anchor="t"/>
+          <a:lstStyle>
+            <a:defPPr>
+              <a:defRPr lang="en-US"/>
+            </a:defPPr>
+            <a:lvl1pPr algn="ctr">
+              <a:defRPr sz="800">
+                <a:solidFill>
+                  <a:schemeClr val="bg1">
+                    <a:lumMod val="50000"/>
+                  </a:schemeClr>
+                </a:solidFill>
+              </a:defRPr>
+            </a:lvl1pPr>
+            <a:lvl2pPr>
+              <a:defRPr>
+                <a:solidFill>
+                  <a:schemeClr val="dk1"/>
+                </a:solidFill>
+              </a:defRPr>
+            </a:lvl2pPr>
+            <a:lvl3pPr>
+              <a:defRPr>
+                <a:solidFill>
+                  <a:schemeClr val="dk1"/>
+                </a:solidFill>
+              </a:defRPr>
+            </a:lvl3pPr>
+            <a:lvl4pPr>
+              <a:defRPr>
+                <a:solidFill>
+                  <a:schemeClr val="dk1"/>
+                </a:solidFill>
+              </a:defRPr>
+            </a:lvl4pPr>
+            <a:lvl5pPr>
+              <a:defRPr>
+                <a:solidFill>
+                  <a:schemeClr val="dk1"/>
+                </a:solidFill>
+              </a:defRPr>
+            </a:lvl5pPr>
+            <a:lvl6pPr>
+              <a:defRPr>
+                <a:solidFill>
+                  <a:schemeClr val="dk1"/>
+                </a:solidFill>
+              </a:defRPr>
+            </a:lvl6pPr>
+            <a:lvl7pPr>
+              <a:defRPr>
+                <a:solidFill>
+                  <a:schemeClr val="dk1"/>
+                </a:solidFill>
+              </a:defRPr>
+            </a:lvl7pPr>
+            <a:lvl8pPr>
+              <a:defRPr>
+                <a:solidFill>
+                  <a:schemeClr val="dk1"/>
+                </a:solidFill>
+              </a:defRPr>
+            </a:lvl8pPr>
+            <a:lvl9pPr>
+              <a:defRPr>
+                <a:solidFill>
+                  <a:schemeClr val="dk1"/>
+                </a:solidFill>
+              </a:defRPr>
+            </a:lvl9pPr>
+          </a:lstStyle>
+          <a:p>
+            <a:pPr algn="l"/>
+            <a:r>
+              <a:rPr lang="en-AU" sz="700" dirty="0">
+                <a:solidFill>
+                  <a:srgbClr val="C00000"/>
+                </a:solidFill>
+              </a:rPr>
+              <a:t>path: /</a:t>
+            </a:r>
+          </a:p>
+        </p:txBody>
+      </p:sp>
+      <p:cxnSp>
+        <p:nvCxnSpPr>
+          <p:cNvPr id="65" name="Straight Arrow Connector 64">
+            <a:extLst>
+              <a:ext uri="{FF2B5EF4-FFF2-40B4-BE49-F238E27FC236}">
+                <a16:creationId xmlns:a16="http://schemas.microsoft.com/office/drawing/2014/main" id="{A6B1EC18-D86F-C445-96F9-EECB950C4353}"/>
+              </a:ext>
+            </a:extLst>
+          </p:cNvPr>
+          <p:cNvCxnSpPr>
+            <a:cxnSpLocks/>
+            <a:endCxn id="53" idx="0"/>
+          </p:cNvCxnSpPr>
+          <p:nvPr/>
+        </p:nvCxnSpPr>
+        <p:spPr>
+          <a:xfrm>
+            <a:off x="7693303" y="2761804"/>
+            <a:ext cx="569466" cy="533648"/>
+          </a:xfrm>
+          <a:prstGeom prst="straightConnector1">
+            <a:avLst/>
+          </a:prstGeom>
+          <a:ln>
+            <a:tailEnd type="triangle"/>
+          </a:ln>
+        </p:spPr>
+        <p:style>
+          <a:lnRef idx="1">
+            <a:schemeClr val="dk1"/>
+          </a:lnRef>
+          <a:fillRef idx="0">
+            <a:schemeClr val="dk1"/>
+          </a:fillRef>
+          <a:effectRef idx="0">
+            <a:schemeClr val="dk1"/>
+          </a:effectRef>
+          <a:fontRef idx="minor">
+            <a:schemeClr val="tx1"/>
+          </a:fontRef>
+        </p:style>
+      </p:cxnSp>
+      <p:sp>
+        <p:nvSpPr>
+          <p:cNvPr id="67" name="TextBox 66">
+            <a:extLst>
+              <a:ext uri="{FF2B5EF4-FFF2-40B4-BE49-F238E27FC236}">
+                <a16:creationId xmlns:a16="http://schemas.microsoft.com/office/drawing/2014/main" id="{53404D40-B6E0-84C7-7391-222FBBD0E5E2}"/>
+              </a:ext>
+            </a:extLst>
+          </p:cNvPr>
+          <p:cNvSpPr txBox="1"/>
+          <p:nvPr/>
+        </p:nvSpPr>
+        <p:spPr>
+          <a:xfrm>
+            <a:off x="7732688" y="2939167"/>
+            <a:ext cx="586883" cy="188648"/>
+          </a:xfrm>
+          <a:prstGeom prst="rect">
+            <a:avLst/>
+          </a:prstGeom>
+          <a:solidFill>
+            <a:schemeClr val="bg1"/>
+          </a:solidFill>
+          <a:ln>
+            <a:noFill/>
+          </a:ln>
+        </p:spPr>
+        <p:style>
+          <a:lnRef idx="2">
+            <a:schemeClr val="accent1"/>
+          </a:lnRef>
+          <a:fillRef idx="1">
+            <a:schemeClr val="lt1"/>
+          </a:fillRef>
+          <a:effectRef idx="0">
+            <a:schemeClr val="accent1"/>
+          </a:effectRef>
+          <a:fontRef idx="minor">
+            <a:schemeClr val="dk1"/>
+          </a:fontRef>
+        </p:style>
+        <p:txBody>
+          <a:bodyPr rtlCol="0" anchor="t"/>
+          <a:lstStyle>
+            <a:defPPr>
+              <a:defRPr lang="en-US"/>
+            </a:defPPr>
+            <a:lvl1pPr algn="ctr">
+              <a:defRPr sz="800">
+                <a:solidFill>
+                  <a:schemeClr val="bg1">
+                    <a:lumMod val="50000"/>
+                  </a:schemeClr>
+                </a:solidFill>
+              </a:defRPr>
+            </a:lvl1pPr>
+            <a:lvl2pPr>
+              <a:defRPr>
+                <a:solidFill>
+                  <a:schemeClr val="dk1"/>
+                </a:solidFill>
+              </a:defRPr>
+            </a:lvl2pPr>
+            <a:lvl3pPr>
+              <a:defRPr>
+                <a:solidFill>
+                  <a:schemeClr val="dk1"/>
+                </a:solidFill>
+              </a:defRPr>
+            </a:lvl3pPr>
+            <a:lvl4pPr>
+              <a:defRPr>
+                <a:solidFill>
+                  <a:schemeClr val="dk1"/>
+                </a:solidFill>
+              </a:defRPr>
+            </a:lvl4pPr>
+            <a:lvl5pPr>
+              <a:defRPr>
+                <a:solidFill>
+                  <a:schemeClr val="dk1"/>
+                </a:solidFill>
+              </a:defRPr>
+            </a:lvl5pPr>
+            <a:lvl6pPr>
+              <a:defRPr>
+                <a:solidFill>
+                  <a:schemeClr val="dk1"/>
+                </a:solidFill>
+              </a:defRPr>
+            </a:lvl6pPr>
+            <a:lvl7pPr>
+              <a:defRPr>
+                <a:solidFill>
+                  <a:schemeClr val="dk1"/>
+                </a:solidFill>
+              </a:defRPr>
+            </a:lvl7pPr>
+            <a:lvl8pPr>
+              <a:defRPr>
+                <a:solidFill>
+                  <a:schemeClr val="dk1"/>
+                </a:solidFill>
+              </a:defRPr>
+            </a:lvl8pPr>
+            <a:lvl9pPr>
+              <a:defRPr>
+                <a:solidFill>
+                  <a:schemeClr val="dk1"/>
+                </a:solidFill>
+              </a:defRPr>
+            </a:lvl9pPr>
+          </a:lstStyle>
+          <a:p>
+            <a:pPr algn="l"/>
+            <a:r>
+              <a:rPr lang="en-AU" sz="700" dirty="0">
+                <a:solidFill>
+                  <a:srgbClr val="C00000"/>
+                </a:solidFill>
+              </a:rPr>
+              <a:t>path: /api</a:t>
+            </a:r>
+          </a:p>
+        </p:txBody>
+      </p:sp>
+      <p:cxnSp>
+        <p:nvCxnSpPr>
+          <p:cNvPr id="68" name="Straight Arrow Connector 67">
+            <a:extLst>
+              <a:ext uri="{FF2B5EF4-FFF2-40B4-BE49-F238E27FC236}">
+                <a16:creationId xmlns:a16="http://schemas.microsoft.com/office/drawing/2014/main" id="{7F95B40B-C08B-10FA-035C-F0ACC3F37A68}"/>
+              </a:ext>
+            </a:extLst>
+          </p:cNvPr>
+          <p:cNvCxnSpPr>
+            <a:cxnSpLocks/>
+            <a:stCxn id="54" idx="2"/>
+            <a:endCxn id="56" idx="0"/>
+          </p:cNvCxnSpPr>
+          <p:nvPr/>
+        </p:nvCxnSpPr>
+        <p:spPr>
+          <a:xfrm>
+            <a:off x="8262769" y="3837395"/>
+            <a:ext cx="0" cy="202419"/>
+          </a:xfrm>
+          <a:prstGeom prst="straightConnector1">
+            <a:avLst/>
+          </a:prstGeom>
+          <a:ln>
+            <a:tailEnd type="triangle"/>
+          </a:ln>
+        </p:spPr>
+        <p:style>
+          <a:lnRef idx="1">
+            <a:schemeClr val="dk1"/>
+          </a:lnRef>
+          <a:fillRef idx="0">
+            <a:schemeClr val="dk1"/>
+          </a:fillRef>
+          <a:effectRef idx="0">
+            <a:schemeClr val="dk1"/>
+          </a:effectRef>
+          <a:fontRef idx="minor">
+            <a:schemeClr val="tx1"/>
+          </a:fontRef>
+        </p:style>
+      </p:cxnSp>
+      <p:sp>
+        <p:nvSpPr>
+          <p:cNvPr id="16" name="TextBox 15">
+            <a:extLst>
+              <a:ext uri="{FF2B5EF4-FFF2-40B4-BE49-F238E27FC236}">
+                <a16:creationId xmlns:a16="http://schemas.microsoft.com/office/drawing/2014/main" id="{B292CDF6-E80F-C819-C824-31A46DFF4264}"/>
+              </a:ext>
+            </a:extLst>
+          </p:cNvPr>
+          <p:cNvSpPr txBox="1"/>
+          <p:nvPr/>
+        </p:nvSpPr>
+        <p:spPr>
+          <a:xfrm>
+            <a:off x="1094566" y="1654116"/>
+            <a:ext cx="1502999" cy="277703"/>
+          </a:xfrm>
+          <a:prstGeom prst="rect">
+            <a:avLst/>
+          </a:prstGeom>
+          <a:noFill/>
+          <a:ln>
+            <a:noFill/>
+          </a:ln>
+        </p:spPr>
+        <p:style>
+          <a:lnRef idx="2">
+            <a:schemeClr val="accent1"/>
+          </a:lnRef>
+          <a:fillRef idx="1">
+            <a:schemeClr val="lt1"/>
+          </a:fillRef>
+          <a:effectRef idx="0">
+            <a:schemeClr val="accent1"/>
+          </a:effectRef>
+          <a:fontRef idx="minor">
+            <a:schemeClr val="dk1"/>
+          </a:fontRef>
+        </p:style>
+        <p:txBody>
+          <a:bodyPr lIns="0" tIns="0" rIns="0" bIns="0" rtlCol="0" anchor="t"/>
+          <a:lstStyle>
+            <a:defPPr>
+              <a:defRPr lang="en-US"/>
+            </a:defPPr>
+            <a:lvl1pPr algn="ctr">
+              <a:defRPr sz="800">
+                <a:solidFill>
+                  <a:srgbClr val="C00000"/>
+                </a:solidFill>
+              </a:defRPr>
+            </a:lvl1pPr>
+            <a:lvl2pPr>
+              <a:defRPr>
+                <a:solidFill>
+                  <a:schemeClr val="dk1"/>
+                </a:solidFill>
+              </a:defRPr>
+            </a:lvl2pPr>
+            <a:lvl3pPr>
+              <a:defRPr>
+                <a:solidFill>
+                  <a:schemeClr val="dk1"/>
+                </a:solidFill>
+              </a:defRPr>
+            </a:lvl3pPr>
+            <a:lvl4pPr>
+              <a:defRPr>
+                <a:solidFill>
+                  <a:schemeClr val="dk1"/>
+                </a:solidFill>
+              </a:defRPr>
+            </a:lvl4pPr>
+            <a:lvl5pPr>
+              <a:defRPr>
+                <a:solidFill>
+                  <a:schemeClr val="dk1"/>
+                </a:solidFill>
+              </a:defRPr>
+            </a:lvl5pPr>
+            <a:lvl6pPr>
+              <a:defRPr>
+                <a:solidFill>
+                  <a:schemeClr val="dk1"/>
+                </a:solidFill>
+              </a:defRPr>
+            </a:lvl6pPr>
+            <a:lvl7pPr>
+              <a:defRPr>
+                <a:solidFill>
+                  <a:schemeClr val="dk1"/>
+                </a:solidFill>
+              </a:defRPr>
+            </a:lvl7pPr>
+            <a:lvl8pPr>
+              <a:defRPr>
+                <a:solidFill>
+                  <a:schemeClr val="dk1"/>
+                </a:solidFill>
+              </a:defRPr>
+            </a:lvl8pPr>
+            <a:lvl9pPr>
+              <a:defRPr>
+                <a:solidFill>
+                  <a:schemeClr val="dk1"/>
+                </a:solidFill>
+              </a:defRPr>
+            </a:lvl9pPr>
+          </a:lstStyle>
+          <a:p>
+            <a:r>
+              <a:rPr lang="en-AU" sz="1000" dirty="0">
+                <a:hlinkClick r:id="rId8"/>
+              </a:rPr>
+              <a:t>http://</a:t>
+            </a:r>
+            <a:r>
+              <a:rPr lang="en-AU" sz="1000" dirty="0">
+                <a:highlight>
+                  <a:srgbClr val="FFFF00"/>
+                </a:highlight>
+                <a:hlinkClick r:id="rId8"/>
+              </a:rPr>
+              <a:t>demo.com/</a:t>
+            </a:r>
+            <a:endParaRPr lang="en-AU" sz="1000" dirty="0">
+              <a:highlight>
+                <a:srgbClr val="FFFF00"/>
+              </a:highlight>
+            </a:endParaRPr>
+          </a:p>
+          <a:p>
+            <a:r>
+              <a:rPr lang="en-AU" sz="1000" dirty="0">
+                <a:hlinkClick r:id="rId9"/>
+              </a:rPr>
+              <a:t>http://</a:t>
+            </a:r>
+            <a:r>
+              <a:rPr lang="en-AU" sz="1000" dirty="0">
+                <a:highlight>
+                  <a:srgbClr val="FFFF00"/>
+                </a:highlight>
+                <a:hlinkClick r:id="rId9"/>
+              </a:rPr>
+              <a:t>demo.com</a:t>
+            </a:r>
+            <a:r>
+              <a:rPr lang="en-AU" sz="1000" dirty="0">
+                <a:hlinkClick r:id="rId9"/>
+              </a:rPr>
+              <a:t>/api</a:t>
+            </a:r>
+            <a:endParaRPr lang="en-AU" sz="1000" dirty="0"/>
+          </a:p>
+          <a:p>
+            <a:endParaRPr lang="en-AU" sz="1000" dirty="0">
+              <a:highlight>
+                <a:srgbClr val="FFFF00"/>
+              </a:highlight>
+            </a:endParaRPr>
+          </a:p>
+          <a:p>
+            <a:r>
+              <a:rPr lang="en-AU" sz="1000" dirty="0">
+                <a:hlinkClick r:id="rId10"/>
+              </a:rPr>
+              <a:t>http://</a:t>
+            </a:r>
+            <a:r>
+              <a:rPr lang="en-AU" sz="1000" dirty="0">
+                <a:highlight>
+                  <a:srgbClr val="FFFF00"/>
+                </a:highlight>
+                <a:hlinkClick r:id="rId10"/>
+              </a:rPr>
+              <a:t>demo.test.com/</a:t>
+            </a:r>
+            <a:endParaRPr lang="en-AU" sz="1000" dirty="0">
+              <a:highlight>
+                <a:srgbClr val="FFFF00"/>
+              </a:highlight>
+            </a:endParaRPr>
+          </a:p>
+          <a:p>
+            <a:r>
+              <a:rPr lang="en-AU" sz="1000" dirty="0">
+                <a:hlinkClick r:id="rId9"/>
+              </a:rPr>
+              <a:t>http://</a:t>
+            </a:r>
+            <a:r>
+              <a:rPr lang="en-AU" sz="1000" dirty="0">
+                <a:highlight>
+                  <a:srgbClr val="FFFF00"/>
+                </a:highlight>
+                <a:hlinkClick r:id="rId9"/>
+              </a:rPr>
+              <a:t>demo.test.com</a:t>
+            </a:r>
+            <a:r>
+              <a:rPr lang="en-AU" sz="1000" dirty="0">
+                <a:hlinkClick r:id="rId9"/>
+              </a:rPr>
+              <a:t>/api</a:t>
+            </a:r>
+            <a:endParaRPr lang="en-AU" sz="1000" dirty="0"/>
+          </a:p>
+          <a:p>
+            <a:endParaRPr lang="en-AU" sz="1000" dirty="0">
+              <a:highlight>
+                <a:srgbClr val="FFFF00"/>
+              </a:highlight>
+            </a:endParaRPr>
+          </a:p>
+          <a:p>
+            <a:r>
+              <a:rPr lang="en-AU" sz="1000" dirty="0">
+                <a:hlinkClick r:id="rId11"/>
+              </a:rPr>
+              <a:t>http://</a:t>
+            </a:r>
+            <a:r>
+              <a:rPr lang="en-AU" sz="1000" dirty="0">
+                <a:highlight>
+                  <a:srgbClr val="FFFF00"/>
+                </a:highlight>
+                <a:hlinkClick r:id="rId11"/>
+              </a:rPr>
+              <a:t>demo.dr.com/</a:t>
+            </a:r>
+            <a:endParaRPr lang="en-AU" sz="1000" dirty="0">
+              <a:highlight>
+                <a:srgbClr val="FFFF00"/>
+              </a:highlight>
+            </a:endParaRPr>
+          </a:p>
+          <a:p>
+            <a:r>
+              <a:rPr lang="en-AU" sz="1000" dirty="0">
+                <a:hlinkClick r:id="rId9"/>
+              </a:rPr>
+              <a:t>http://</a:t>
+            </a:r>
+            <a:r>
+              <a:rPr lang="en-AU" sz="1000" dirty="0">
+                <a:highlight>
+                  <a:srgbClr val="FFFF00"/>
+                </a:highlight>
+                <a:hlinkClick r:id="rId9"/>
+              </a:rPr>
+              <a:t>demo.dr.com</a:t>
+            </a:r>
+            <a:r>
+              <a:rPr lang="en-AU" sz="1000" dirty="0">
+                <a:hlinkClick r:id="rId9"/>
+              </a:rPr>
+              <a:t>/api</a:t>
+            </a:r>
+            <a:endParaRPr lang="en-AU" sz="1000" dirty="0"/>
+          </a:p>
+          <a:p>
+            <a:endParaRPr lang="en-AU" sz="1000" dirty="0">
+              <a:highlight>
+                <a:srgbClr val="FFFF00"/>
+              </a:highlight>
+            </a:endParaRPr>
+          </a:p>
+          <a:p>
+            <a:endParaRPr lang="en-AU" sz="700" dirty="0">
+              <a:highlight>
+                <a:srgbClr val="FFFF00"/>
+              </a:highlight>
+            </a:endParaRPr>
+          </a:p>
+        </p:txBody>
+      </p:sp>
+      <p:sp>
+        <p:nvSpPr>
+          <p:cNvPr id="31" name="Rectangle 30">
+            <a:extLst>
+              <a:ext uri="{FF2B5EF4-FFF2-40B4-BE49-F238E27FC236}">
+                <a16:creationId xmlns:a16="http://schemas.microsoft.com/office/drawing/2014/main" id="{7180142E-A31B-E7C4-D44D-E3DFFEBD0685}"/>
+              </a:ext>
+            </a:extLst>
+          </p:cNvPr>
+          <p:cNvSpPr/>
+          <p:nvPr/>
+        </p:nvSpPr>
+        <p:spPr>
+          <a:xfrm>
+            <a:off x="3599267" y="1957097"/>
+            <a:ext cx="8214781" cy="323168"/>
+          </a:xfrm>
+          <a:prstGeom prst="rect">
+            <a:avLst/>
+          </a:prstGeom>
+          <a:noFill/>
+          <a:ln>
+            <a:solidFill>
+              <a:schemeClr val="bg1">
+                <a:lumMod val="85000"/>
+              </a:schemeClr>
+            </a:solidFill>
+          </a:ln>
+        </p:spPr>
+        <p:style>
+          <a:lnRef idx="2">
+            <a:schemeClr val="accent1"/>
+          </a:lnRef>
+          <a:fillRef idx="1">
+            <a:schemeClr val="lt1"/>
+          </a:fillRef>
+          <a:effectRef idx="0">
+            <a:schemeClr val="accent1"/>
+          </a:effectRef>
+          <a:fontRef idx="minor">
+            <a:schemeClr val="dk1"/>
+          </a:fontRef>
+        </p:style>
+        <p:txBody>
+          <a:bodyPr rtlCol="0" anchor="t"/>
+          <a:lstStyle/>
+          <a:p>
+            <a:pPr algn="ctr"/>
+            <a:r>
+              <a:rPr lang="en-US" sz="700" dirty="0">
+                <a:solidFill>
+                  <a:schemeClr val="bg1">
+                    <a:lumMod val="50000"/>
+                  </a:schemeClr>
+                </a:solidFill>
+              </a:rPr>
+              <a:t>External Load-Balancer</a:t>
+            </a:r>
+          </a:p>
+          <a:p>
+            <a:pPr algn="ctr"/>
+            <a:r>
+              <a:rPr lang="en-US" sz="700" dirty="0">
+                <a:solidFill>
+                  <a:srgbClr val="C00000"/>
+                </a:solidFill>
+              </a:rPr>
+              <a:t>Metallb </a:t>
+            </a:r>
+            <a:r>
+              <a:rPr lang="en-US" sz="700" dirty="0">
+                <a:solidFill>
+                  <a:srgbClr val="C00000"/>
+                </a:solidFill>
+                <a:highlight>
+                  <a:srgbClr val="FFFF00"/>
+                </a:highlight>
+              </a:rPr>
+              <a:t>192.168.0.210 - 192.168.0.219</a:t>
+            </a:r>
+          </a:p>
+        </p:txBody>
+      </p:sp>
+      <p:cxnSp>
+        <p:nvCxnSpPr>
+          <p:cNvPr id="32" name="Straight Arrow Connector 31">
+            <a:extLst>
+              <a:ext uri="{FF2B5EF4-FFF2-40B4-BE49-F238E27FC236}">
+                <a16:creationId xmlns:a16="http://schemas.microsoft.com/office/drawing/2014/main" id="{77F03B39-3B58-9CB5-B2DC-BFA86C5F00A9}"/>
+              </a:ext>
+            </a:extLst>
+          </p:cNvPr>
+          <p:cNvCxnSpPr>
+            <a:cxnSpLocks/>
+            <a:stCxn id="14" idx="3"/>
+            <a:endCxn id="31" idx="1"/>
+          </p:cNvCxnSpPr>
+          <p:nvPr/>
+        </p:nvCxnSpPr>
+        <p:spPr>
+          <a:xfrm>
+            <a:off x="3446163" y="2115161"/>
+            <a:ext cx="153104" cy="3520"/>
+          </a:xfrm>
+          <a:prstGeom prst="straightConnector1">
+            <a:avLst/>
+          </a:prstGeom>
+          <a:ln>
+            <a:tailEnd type="triangle"/>
+          </a:ln>
+        </p:spPr>
+        <p:style>
+          <a:lnRef idx="1">
+            <a:schemeClr val="dk1"/>
+          </a:lnRef>
+          <a:fillRef idx="0">
+            <a:schemeClr val="dk1"/>
+          </a:fillRef>
+          <a:effectRef idx="0">
+            <a:schemeClr val="dk1"/>
+          </a:effectRef>
+          <a:fontRef idx="minor">
+            <a:schemeClr val="tx1"/>
+          </a:fontRef>
+        </p:style>
+      </p:cxnSp>
+      <p:sp>
+        <p:nvSpPr>
+          <p:cNvPr id="50" name="Rectangle 49">
+            <a:extLst>
+              <a:ext uri="{FF2B5EF4-FFF2-40B4-BE49-F238E27FC236}">
+                <a16:creationId xmlns:a16="http://schemas.microsoft.com/office/drawing/2014/main" id="{5646A37E-2C9A-7457-BE7A-73FF3AF1B7E4}"/>
+              </a:ext>
+            </a:extLst>
+          </p:cNvPr>
+          <p:cNvSpPr/>
+          <p:nvPr/>
+        </p:nvSpPr>
+        <p:spPr>
+          <a:xfrm>
+            <a:off x="3761557" y="2482992"/>
+            <a:ext cx="5115918" cy="278811"/>
+          </a:xfrm>
+          <a:prstGeom prst="rect">
+            <a:avLst/>
+          </a:prstGeom>
+          <a:noFill/>
+          <a:ln>
+            <a:solidFill>
+              <a:schemeClr val="bg1">
+                <a:lumMod val="85000"/>
+              </a:schemeClr>
+            </a:solidFill>
+          </a:ln>
+        </p:spPr>
+        <p:style>
+          <a:lnRef idx="2">
+            <a:schemeClr val="accent1"/>
+          </a:lnRef>
+          <a:fillRef idx="1">
+            <a:schemeClr val="lt1"/>
+          </a:fillRef>
+          <a:effectRef idx="0">
+            <a:schemeClr val="accent1"/>
+          </a:effectRef>
+          <a:fontRef idx="minor">
+            <a:schemeClr val="dk1"/>
+          </a:fontRef>
+        </p:style>
+        <p:txBody>
+          <a:bodyPr rtlCol="0" anchor="t"/>
+          <a:lstStyle/>
+          <a:p>
+            <a:pPr algn="ctr"/>
+            <a:r>
+              <a:rPr lang="en-US" sz="700" dirty="0">
+                <a:solidFill>
+                  <a:schemeClr val="bg1">
+                    <a:lumMod val="50000"/>
+                  </a:schemeClr>
+                </a:solidFill>
+              </a:rPr>
+              <a:t>Ingress Load-Balancer</a:t>
+            </a:r>
+          </a:p>
+        </p:txBody>
+      </p:sp>
+      <p:sp>
+        <p:nvSpPr>
+          <p:cNvPr id="70" name="TextBox 69">
+            <a:extLst>
+              <a:ext uri="{FF2B5EF4-FFF2-40B4-BE49-F238E27FC236}">
+                <a16:creationId xmlns:a16="http://schemas.microsoft.com/office/drawing/2014/main" id="{AD9E1F64-3129-BFA7-CB21-095ED54F9F01}"/>
+              </a:ext>
+            </a:extLst>
+          </p:cNvPr>
+          <p:cNvSpPr txBox="1"/>
+          <p:nvPr/>
+        </p:nvSpPr>
+        <p:spPr>
+          <a:xfrm>
+            <a:off x="3761557" y="2550148"/>
+            <a:ext cx="2370963" cy="200055"/>
+          </a:xfrm>
+          <a:prstGeom prst="rect">
+            <a:avLst/>
+          </a:prstGeom>
+          <a:noFill/>
+        </p:spPr>
+        <p:txBody>
+          <a:bodyPr wrap="square">
+            <a:spAutoFit/>
+          </a:bodyPr>
+          <a:lstStyle/>
+          <a:p>
+            <a:pPr algn="ctr"/>
+            <a:r>
+              <a:rPr lang="en-US" sz="700" dirty="0">
+                <a:solidFill>
+                  <a:srgbClr val="C00000"/>
+                </a:solidFill>
+                <a:highlight>
+                  <a:srgbClr val="FFFF00"/>
+                </a:highlight>
+              </a:rPr>
+              <a:t>host: demo.com</a:t>
+            </a:r>
+          </a:p>
+        </p:txBody>
+      </p:sp>
+      <p:sp>
+        <p:nvSpPr>
+          <p:cNvPr id="71" name="TextBox 70">
+            <a:extLst>
+              <a:ext uri="{FF2B5EF4-FFF2-40B4-BE49-F238E27FC236}">
+                <a16:creationId xmlns:a16="http://schemas.microsoft.com/office/drawing/2014/main" id="{B7CF2C66-71C2-7D50-507B-87168C2C908E}"/>
+              </a:ext>
+            </a:extLst>
+          </p:cNvPr>
+          <p:cNvSpPr txBox="1"/>
+          <p:nvPr/>
+        </p:nvSpPr>
+        <p:spPr>
+          <a:xfrm>
+            <a:off x="6506511" y="2540158"/>
+            <a:ext cx="2370963" cy="200055"/>
+          </a:xfrm>
+          <a:prstGeom prst="rect">
+            <a:avLst/>
+          </a:prstGeom>
+          <a:noFill/>
+        </p:spPr>
+        <p:txBody>
+          <a:bodyPr wrap="square">
+            <a:spAutoFit/>
+          </a:bodyPr>
+          <a:lstStyle/>
+          <a:p>
+            <a:pPr algn="ctr"/>
+            <a:r>
+              <a:rPr lang="en-US" sz="700" dirty="0">
+                <a:solidFill>
+                  <a:srgbClr val="C00000"/>
+                </a:solidFill>
+                <a:highlight>
+                  <a:srgbClr val="FFFF00"/>
+                </a:highlight>
+              </a:rPr>
+              <a:t>host: demo.test.com</a:t>
+            </a:r>
+          </a:p>
+        </p:txBody>
+      </p:sp>
+      <p:sp>
+        <p:nvSpPr>
+          <p:cNvPr id="112" name="Rectangle 111">
+            <a:extLst>
+              <a:ext uri="{FF2B5EF4-FFF2-40B4-BE49-F238E27FC236}">
+                <a16:creationId xmlns:a16="http://schemas.microsoft.com/office/drawing/2014/main" id="{C1DF4FB9-A74E-4826-8628-6436BFDA2CFB}"/>
+              </a:ext>
+            </a:extLst>
+          </p:cNvPr>
+          <p:cNvSpPr/>
+          <p:nvPr/>
+        </p:nvSpPr>
+        <p:spPr>
+          <a:xfrm>
+            <a:off x="3599268" y="2366605"/>
+            <a:ext cx="5375376" cy="2721096"/>
+          </a:xfrm>
+          <a:prstGeom prst="rect">
+            <a:avLst/>
+          </a:prstGeom>
+          <a:noFill/>
+          <a:ln>
+            <a:solidFill>
+              <a:schemeClr val="bg1">
+                <a:lumMod val="85000"/>
+              </a:schemeClr>
+            </a:solidFill>
+          </a:ln>
+        </p:spPr>
+        <p:style>
+          <a:lnRef idx="2">
+            <a:schemeClr val="accent1"/>
+          </a:lnRef>
+          <a:fillRef idx="1">
+            <a:schemeClr val="lt1"/>
+          </a:fillRef>
+          <a:effectRef idx="0">
+            <a:schemeClr val="accent1"/>
+          </a:effectRef>
+          <a:fontRef idx="minor">
+            <a:schemeClr val="dk1"/>
+          </a:fontRef>
+        </p:style>
+        <p:txBody>
+          <a:bodyPr rtlCol="0" anchor="b"/>
+          <a:lstStyle/>
+          <a:p>
+            <a:pPr algn="ctr"/>
+            <a:endParaRPr lang="en-US" sz="700" dirty="0">
+              <a:solidFill>
+                <a:schemeClr val="bg1">
+                  <a:lumMod val="50000"/>
+                </a:schemeClr>
+              </a:solidFill>
+            </a:endParaRPr>
+          </a:p>
+        </p:txBody>
+      </p:sp>
+      <p:cxnSp>
+        <p:nvCxnSpPr>
+          <p:cNvPr id="72" name="Straight Arrow Connector 71">
+            <a:extLst>
+              <a:ext uri="{FF2B5EF4-FFF2-40B4-BE49-F238E27FC236}">
+                <a16:creationId xmlns:a16="http://schemas.microsoft.com/office/drawing/2014/main" id="{37DADA17-C188-3941-BCE5-83F269E1EAEA}"/>
+              </a:ext>
+            </a:extLst>
+          </p:cNvPr>
+          <p:cNvCxnSpPr>
+            <a:cxnSpLocks/>
+            <a:stCxn id="31" idx="2"/>
+            <a:endCxn id="50" idx="0"/>
+          </p:cNvCxnSpPr>
+          <p:nvPr/>
+        </p:nvCxnSpPr>
+        <p:spPr>
+          <a:xfrm flipH="1">
+            <a:off x="6319516" y="2280265"/>
+            <a:ext cx="1387142" cy="202727"/>
+          </a:xfrm>
+          <a:prstGeom prst="straightConnector1">
+            <a:avLst/>
+          </a:prstGeom>
+          <a:ln>
+            <a:tailEnd type="triangle"/>
+          </a:ln>
+        </p:spPr>
+        <p:style>
+          <a:lnRef idx="1">
+            <a:schemeClr val="dk1"/>
+          </a:lnRef>
+          <a:fillRef idx="0">
+            <a:schemeClr val="dk1"/>
+          </a:fillRef>
+          <a:effectRef idx="0">
+            <a:schemeClr val="dk1"/>
+          </a:effectRef>
+          <a:fontRef idx="minor">
+            <a:schemeClr val="tx1"/>
+          </a:fontRef>
+        </p:style>
+      </p:cxnSp>
+      <p:sp>
+        <p:nvSpPr>
+          <p:cNvPr id="113" name="Rectangle 112">
+            <a:extLst>
+              <a:ext uri="{FF2B5EF4-FFF2-40B4-BE49-F238E27FC236}">
+                <a16:creationId xmlns:a16="http://schemas.microsoft.com/office/drawing/2014/main" id="{E4EE30C5-9682-4672-A889-5E0DF74BE86C}"/>
+              </a:ext>
+            </a:extLst>
+          </p:cNvPr>
+          <p:cNvSpPr/>
+          <p:nvPr/>
+        </p:nvSpPr>
+        <p:spPr>
+          <a:xfrm>
+            <a:off x="9196405" y="3174853"/>
+            <a:ext cx="2373583" cy="1660681"/>
+          </a:xfrm>
+          <a:prstGeom prst="rect">
+            <a:avLst/>
+          </a:prstGeom>
+          <a:solidFill>
+            <a:schemeClr val="accent3">
+              <a:lumMod val="20000"/>
+              <a:lumOff val="80000"/>
+            </a:schemeClr>
+          </a:solidFill>
+          <a:ln>
+            <a:solidFill>
+              <a:schemeClr val="bg1">
+                <a:lumMod val="85000"/>
+              </a:schemeClr>
+            </a:solidFill>
+          </a:ln>
+        </p:spPr>
+        <p:style>
+          <a:lnRef idx="2">
+            <a:schemeClr val="accent1"/>
+          </a:lnRef>
+          <a:fillRef idx="1">
+            <a:schemeClr val="lt1"/>
+          </a:fillRef>
+          <a:effectRef idx="0">
+            <a:schemeClr val="accent1"/>
+          </a:effectRef>
+          <a:fontRef idx="minor">
+            <a:schemeClr val="dk1"/>
+          </a:fontRef>
+        </p:style>
+        <p:txBody>
+          <a:bodyPr rtlCol="0" anchor="b"/>
+          <a:lstStyle/>
+          <a:p>
+            <a:pPr algn="ctr"/>
+            <a:r>
+              <a:rPr lang="en-US" sz="700" dirty="0">
+                <a:solidFill>
+                  <a:schemeClr val="bg1">
+                    <a:lumMod val="50000"/>
+                  </a:schemeClr>
+                </a:solidFill>
+              </a:rPr>
+              <a:t>DR-Namespace</a:t>
+            </a:r>
+          </a:p>
+        </p:txBody>
+      </p:sp>
+      <p:sp>
+        <p:nvSpPr>
+          <p:cNvPr id="114" name="Rounded Rectangle 113">
+            <a:extLst>
+              <a:ext uri="{FF2B5EF4-FFF2-40B4-BE49-F238E27FC236}">
+                <a16:creationId xmlns:a16="http://schemas.microsoft.com/office/drawing/2014/main" id="{0AC2B2C7-A596-0F07-466D-B3C37C4DA35C}"/>
+              </a:ext>
+            </a:extLst>
+          </p:cNvPr>
+          <p:cNvSpPr/>
+          <p:nvPr/>
+        </p:nvSpPr>
+        <p:spPr>
+          <a:xfrm>
+            <a:off x="9263564" y="3296480"/>
+            <a:ext cx="1060160" cy="550307"/>
+          </a:xfrm>
+          <a:prstGeom prst="roundRect">
+            <a:avLst/>
+          </a:prstGeom>
+          <a:solidFill>
+            <a:schemeClr val="bg1"/>
+          </a:solidFill>
+          <a:ln>
+            <a:solidFill>
+              <a:schemeClr val="bg1">
+                <a:lumMod val="85000"/>
+              </a:schemeClr>
+            </a:solidFill>
+          </a:ln>
+        </p:spPr>
+        <p:style>
+          <a:lnRef idx="2">
+            <a:schemeClr val="accent1"/>
+          </a:lnRef>
+          <a:fillRef idx="1">
+            <a:schemeClr val="lt1"/>
+          </a:fillRef>
+          <a:effectRef idx="0">
+            <a:schemeClr val="accent1"/>
+          </a:effectRef>
+          <a:fontRef idx="minor">
+            <a:schemeClr val="dk1"/>
+          </a:fontRef>
+        </p:style>
+        <p:txBody>
+          <a:bodyPr rtlCol="0" anchor="t"/>
+          <a:lstStyle/>
+          <a:p>
+            <a:pPr algn="ctr"/>
+            <a:r>
+              <a:rPr lang="en-US" sz="700" dirty="0">
+                <a:solidFill>
+                  <a:schemeClr val="bg1">
+                    <a:lumMod val="50000"/>
+                  </a:schemeClr>
+                </a:solidFill>
+              </a:rPr>
+              <a:t>frontend-svc:80</a:t>
+            </a:r>
+          </a:p>
+        </p:txBody>
+      </p:sp>
+      <p:pic>
+        <p:nvPicPr>
+          <p:cNvPr id="115" name="Picture 4" descr="Your custom development solution with React JS| Ubidreams">
+            <a:extLst>
+              <a:ext uri="{FF2B5EF4-FFF2-40B4-BE49-F238E27FC236}">
+                <a16:creationId xmlns:a16="http://schemas.microsoft.com/office/drawing/2014/main" id="{2CD71515-3197-1956-52DE-F7D6F2A140C1}"/>
+              </a:ext>
+            </a:extLst>
+          </p:cNvPr>
+          <p:cNvPicPr>
+            <a:picLocks noChangeAspect="1" noChangeArrowheads="1"/>
+          </p:cNvPicPr>
+          <p:nvPr/>
+        </p:nvPicPr>
+        <p:blipFill>
+          <a:blip r:embed="rId5">
+            <a:extLst>
+              <a:ext uri="{28A0092B-C50C-407E-A947-70E740481C1C}">
+                <a14:useLocalDpi xmlns:a14="http://schemas.microsoft.com/office/drawing/2010/main" val="0"/>
+              </a:ext>
+            </a:extLst>
+          </a:blip>
+          <a:srcRect/>
+          <a:stretch>
+            <a:fillRect/>
+          </a:stretch>
+        </p:blipFill>
+        <p:spPr bwMode="auto">
+          <a:xfrm>
+            <a:off x="9585982" y="3495182"/>
+            <a:ext cx="415325" cy="272885"/>
+          </a:xfrm>
+          <a:prstGeom prst="rect">
+            <a:avLst/>
+          </a:prstGeom>
+          <a:noFill/>
+          <a:extLst>
+            <a:ext uri="{909E8E84-426E-40DD-AFC4-6F175D3DCCD1}">
+              <a14:hiddenFill xmlns:a14="http://schemas.microsoft.com/office/drawing/2010/main">
+                <a:solidFill>
+                  <a:srgbClr val="FFFFFF"/>
+                </a:solidFill>
+              </a14:hiddenFill>
+            </a:ext>
+          </a:extLst>
+        </p:spPr>
+      </p:pic>
+      <p:sp>
+        <p:nvSpPr>
+          <p:cNvPr id="116" name="Rounded Rectangle 115">
+            <a:extLst>
+              <a:ext uri="{FF2B5EF4-FFF2-40B4-BE49-F238E27FC236}">
+                <a16:creationId xmlns:a16="http://schemas.microsoft.com/office/drawing/2014/main" id="{ADDE12F9-1C80-DEC7-3523-27E484D3B6B2}"/>
+              </a:ext>
+            </a:extLst>
+          </p:cNvPr>
+          <p:cNvSpPr/>
+          <p:nvPr/>
+        </p:nvSpPr>
+        <p:spPr>
+          <a:xfrm>
+            <a:off x="10422582" y="3296480"/>
+            <a:ext cx="1060160" cy="550307"/>
+          </a:xfrm>
+          <a:prstGeom prst="roundRect">
+            <a:avLst/>
+          </a:prstGeom>
+          <a:solidFill>
+            <a:schemeClr val="bg1"/>
+          </a:solidFill>
+          <a:ln>
+            <a:solidFill>
+              <a:schemeClr val="bg1">
+                <a:lumMod val="85000"/>
+              </a:schemeClr>
+            </a:solidFill>
+          </a:ln>
+        </p:spPr>
+        <p:style>
+          <a:lnRef idx="2">
+            <a:schemeClr val="accent1"/>
+          </a:lnRef>
+          <a:fillRef idx="1">
+            <a:schemeClr val="lt1"/>
+          </a:fillRef>
+          <a:effectRef idx="0">
+            <a:schemeClr val="accent1"/>
+          </a:effectRef>
+          <a:fontRef idx="minor">
+            <a:schemeClr val="dk1"/>
+          </a:fontRef>
+        </p:style>
+        <p:txBody>
+          <a:bodyPr rtlCol="0" anchor="t"/>
+          <a:lstStyle/>
+          <a:p>
+            <a:pPr algn="ctr"/>
+            <a:r>
+              <a:rPr lang="en-US" sz="700" dirty="0">
+                <a:solidFill>
+                  <a:schemeClr val="bg1">
+                    <a:lumMod val="50000"/>
+                  </a:schemeClr>
+                </a:solidFill>
+              </a:rPr>
+              <a:t>backend-svc:8080</a:t>
+            </a:r>
+          </a:p>
+        </p:txBody>
+      </p:sp>
+      <p:pic>
+        <p:nvPicPr>
+          <p:cNvPr id="117" name="Picture 116" descr="What Is the Future of Node.js? Node.js Benefits | LITSLINK Blog">
+            <a:extLst>
+              <a:ext uri="{FF2B5EF4-FFF2-40B4-BE49-F238E27FC236}">
+                <a16:creationId xmlns:a16="http://schemas.microsoft.com/office/drawing/2014/main" id="{AD262C69-53CF-2A7F-8972-F79D0672CFB3}"/>
+              </a:ext>
+            </a:extLst>
+          </p:cNvPr>
+          <p:cNvPicPr>
+            <a:picLocks noChangeAspect="1" noChangeArrowheads="1"/>
+          </p:cNvPicPr>
+          <p:nvPr/>
+        </p:nvPicPr>
+        <p:blipFill>
+          <a:blip r:embed="rId6">
+            <a:extLst>
+              <a:ext uri="{28A0092B-C50C-407E-A947-70E740481C1C}">
+                <a14:useLocalDpi xmlns:a14="http://schemas.microsoft.com/office/drawing/2010/main" val="0"/>
+              </a:ext>
+            </a:extLst>
+          </a:blip>
+          <a:srcRect/>
+          <a:stretch>
+            <a:fillRect/>
+          </a:stretch>
+        </p:blipFill>
+        <p:spPr bwMode="auto">
+          <a:xfrm>
+            <a:off x="10648771" y="3490535"/>
+            <a:ext cx="607781" cy="347888"/>
+          </a:xfrm>
+          <a:prstGeom prst="rect">
+            <a:avLst/>
+          </a:prstGeom>
+          <a:noFill/>
+          <a:extLst>
+            <a:ext uri="{909E8E84-426E-40DD-AFC4-6F175D3DCCD1}">
+              <a14:hiddenFill xmlns:a14="http://schemas.microsoft.com/office/drawing/2010/main">
+                <a:solidFill>
+                  <a:srgbClr val="FFFFFF"/>
+                </a:solidFill>
+              </a14:hiddenFill>
+            </a:ext>
+          </a:extLst>
+        </p:spPr>
+      </p:pic>
+      <p:sp>
+        <p:nvSpPr>
+          <p:cNvPr id="118" name="Rounded Rectangle 117">
+            <a:extLst>
+              <a:ext uri="{FF2B5EF4-FFF2-40B4-BE49-F238E27FC236}">
+                <a16:creationId xmlns:a16="http://schemas.microsoft.com/office/drawing/2014/main" id="{0D0DBA1D-53D7-E4C4-3DE4-789426F9538D}"/>
+              </a:ext>
+            </a:extLst>
+          </p:cNvPr>
+          <p:cNvSpPr/>
+          <p:nvPr/>
+        </p:nvSpPr>
+        <p:spPr>
+          <a:xfrm>
+            <a:off x="10422582" y="4040842"/>
+            <a:ext cx="1060160" cy="550307"/>
+          </a:xfrm>
+          <a:prstGeom prst="roundRect">
+            <a:avLst/>
+          </a:prstGeom>
+          <a:solidFill>
+            <a:schemeClr val="bg1"/>
+          </a:solidFill>
+          <a:ln>
+            <a:solidFill>
+              <a:schemeClr val="bg1">
+                <a:lumMod val="85000"/>
+              </a:schemeClr>
+            </a:solidFill>
+          </a:ln>
+        </p:spPr>
+        <p:style>
+          <a:lnRef idx="2">
+            <a:schemeClr val="accent1"/>
+          </a:lnRef>
+          <a:fillRef idx="1">
+            <a:schemeClr val="lt1"/>
+          </a:fillRef>
+          <a:effectRef idx="0">
+            <a:schemeClr val="accent1"/>
+          </a:effectRef>
+          <a:fontRef idx="minor">
+            <a:schemeClr val="dk1"/>
+          </a:fontRef>
+        </p:style>
+        <p:txBody>
+          <a:bodyPr rtlCol="0" anchor="t"/>
+          <a:lstStyle/>
+          <a:p>
+            <a:pPr algn="ctr"/>
+            <a:r>
+              <a:rPr lang="en-US" sz="700" dirty="0">
+                <a:solidFill>
+                  <a:schemeClr val="bg1">
+                    <a:lumMod val="50000"/>
+                  </a:schemeClr>
+                </a:solidFill>
+              </a:rPr>
+              <a:t>database-svc:27017</a:t>
+            </a:r>
+          </a:p>
+        </p:txBody>
+      </p:sp>
+      <p:pic>
+        <p:nvPicPr>
+          <p:cNvPr id="119" name="Picture 2" descr="MongoDB | The Software Report">
+            <a:extLst>
+              <a:ext uri="{FF2B5EF4-FFF2-40B4-BE49-F238E27FC236}">
+                <a16:creationId xmlns:a16="http://schemas.microsoft.com/office/drawing/2014/main" id="{20AE4781-D7C1-7AEF-4933-3406B01F7C38}"/>
+              </a:ext>
+            </a:extLst>
+          </p:cNvPr>
+          <p:cNvPicPr>
+            <a:picLocks noChangeAspect="1" noChangeArrowheads="1"/>
+          </p:cNvPicPr>
+          <p:nvPr/>
+        </p:nvPicPr>
+        <p:blipFill>
+          <a:blip r:embed="rId7">
+            <a:extLst>
+              <a:ext uri="{28A0092B-C50C-407E-A947-70E740481C1C}">
+                <a14:useLocalDpi xmlns:a14="http://schemas.microsoft.com/office/drawing/2010/main" val="0"/>
+              </a:ext>
+            </a:extLst>
+          </a:blip>
+          <a:srcRect/>
+          <a:stretch>
+            <a:fillRect/>
+          </a:stretch>
+        </p:blipFill>
+        <p:spPr bwMode="auto">
+          <a:xfrm>
+            <a:off x="10728379" y="4305366"/>
+            <a:ext cx="607781" cy="163815"/>
+          </a:xfrm>
+          <a:prstGeom prst="rect">
+            <a:avLst/>
+          </a:prstGeom>
+          <a:noFill/>
+          <a:extLst>
+            <a:ext uri="{909E8E84-426E-40DD-AFC4-6F175D3DCCD1}">
+              <a14:hiddenFill xmlns:a14="http://schemas.microsoft.com/office/drawing/2010/main">
+                <a:solidFill>
+                  <a:srgbClr val="FFFFFF"/>
+                </a:solidFill>
+              </a14:hiddenFill>
+            </a:ext>
+          </a:extLst>
+        </p:spPr>
+      </p:pic>
+      <p:cxnSp>
+        <p:nvCxnSpPr>
+          <p:cNvPr id="120" name="Straight Arrow Connector 119">
+            <a:extLst>
+              <a:ext uri="{FF2B5EF4-FFF2-40B4-BE49-F238E27FC236}">
+                <a16:creationId xmlns:a16="http://schemas.microsoft.com/office/drawing/2014/main" id="{95158846-E9D0-838F-35E9-7862C1300E35}"/>
+              </a:ext>
+            </a:extLst>
+          </p:cNvPr>
+          <p:cNvCxnSpPr>
+            <a:cxnSpLocks/>
+            <a:endCxn id="114" idx="0"/>
+          </p:cNvCxnSpPr>
+          <p:nvPr/>
+        </p:nvCxnSpPr>
+        <p:spPr>
+          <a:xfrm flipH="1">
+            <a:off x="9793645" y="2762832"/>
+            <a:ext cx="589552" cy="533648"/>
+          </a:xfrm>
+          <a:prstGeom prst="straightConnector1">
+            <a:avLst/>
+          </a:prstGeom>
+          <a:ln>
+            <a:tailEnd type="triangle"/>
+          </a:ln>
+        </p:spPr>
+        <p:style>
+          <a:lnRef idx="1">
+            <a:schemeClr val="dk1"/>
+          </a:lnRef>
+          <a:fillRef idx="0">
+            <a:schemeClr val="dk1"/>
+          </a:fillRef>
+          <a:effectRef idx="0">
+            <a:schemeClr val="dk1"/>
+          </a:effectRef>
+          <a:fontRef idx="minor">
+            <a:schemeClr val="tx1"/>
+          </a:fontRef>
+        </p:style>
+      </p:cxnSp>
+      <p:sp>
+        <p:nvSpPr>
+          <p:cNvPr id="121" name="TextBox 120">
+            <a:extLst>
+              <a:ext uri="{FF2B5EF4-FFF2-40B4-BE49-F238E27FC236}">
+                <a16:creationId xmlns:a16="http://schemas.microsoft.com/office/drawing/2014/main" id="{3FC550E7-6B76-D79D-C30E-592BE30B4421}"/>
+              </a:ext>
+            </a:extLst>
+          </p:cNvPr>
+          <p:cNvSpPr txBox="1"/>
+          <p:nvPr/>
+        </p:nvSpPr>
+        <p:spPr>
+          <a:xfrm>
+            <a:off x="9813744" y="2943365"/>
+            <a:ext cx="460740" cy="188648"/>
+          </a:xfrm>
+          <a:prstGeom prst="rect">
+            <a:avLst/>
+          </a:prstGeom>
+          <a:solidFill>
+            <a:schemeClr val="bg1"/>
+          </a:solidFill>
+          <a:ln>
+            <a:noFill/>
+          </a:ln>
+        </p:spPr>
+        <p:style>
+          <a:lnRef idx="2">
+            <a:schemeClr val="accent1"/>
+          </a:lnRef>
+          <a:fillRef idx="1">
+            <a:schemeClr val="lt1"/>
+          </a:fillRef>
+          <a:effectRef idx="0">
+            <a:schemeClr val="accent1"/>
+          </a:effectRef>
+          <a:fontRef idx="minor">
+            <a:schemeClr val="dk1"/>
+          </a:fontRef>
+        </p:style>
+        <p:txBody>
+          <a:bodyPr rtlCol="0" anchor="t"/>
+          <a:lstStyle>
+            <a:defPPr>
+              <a:defRPr lang="en-US"/>
+            </a:defPPr>
+            <a:lvl1pPr algn="ctr">
+              <a:defRPr sz="800">
+                <a:solidFill>
+                  <a:schemeClr val="bg1">
+                    <a:lumMod val="50000"/>
+                  </a:schemeClr>
+                </a:solidFill>
+              </a:defRPr>
+            </a:lvl1pPr>
+            <a:lvl2pPr>
+              <a:defRPr>
+                <a:solidFill>
+                  <a:schemeClr val="dk1"/>
+                </a:solidFill>
+              </a:defRPr>
+            </a:lvl2pPr>
+            <a:lvl3pPr>
+              <a:defRPr>
+                <a:solidFill>
+                  <a:schemeClr val="dk1"/>
+                </a:solidFill>
+              </a:defRPr>
+            </a:lvl3pPr>
+            <a:lvl4pPr>
+              <a:defRPr>
+                <a:solidFill>
+                  <a:schemeClr val="dk1"/>
+                </a:solidFill>
+              </a:defRPr>
+            </a:lvl4pPr>
+            <a:lvl5pPr>
+              <a:defRPr>
+                <a:solidFill>
+                  <a:schemeClr val="dk1"/>
+                </a:solidFill>
+              </a:defRPr>
+            </a:lvl5pPr>
+            <a:lvl6pPr>
+              <a:defRPr>
+                <a:solidFill>
+                  <a:schemeClr val="dk1"/>
+                </a:solidFill>
+              </a:defRPr>
+            </a:lvl6pPr>
+            <a:lvl7pPr>
+              <a:defRPr>
+                <a:solidFill>
+                  <a:schemeClr val="dk1"/>
+                </a:solidFill>
+              </a:defRPr>
+            </a:lvl7pPr>
+            <a:lvl8pPr>
+              <a:defRPr>
+                <a:solidFill>
+                  <a:schemeClr val="dk1"/>
+                </a:solidFill>
+              </a:defRPr>
+            </a:lvl8pPr>
+            <a:lvl9pPr>
+              <a:defRPr>
+                <a:solidFill>
+                  <a:schemeClr val="dk1"/>
+                </a:solidFill>
+              </a:defRPr>
+            </a:lvl9pPr>
+          </a:lstStyle>
+          <a:p>
+            <a:pPr algn="l"/>
+            <a:r>
+              <a:rPr lang="en-AU" sz="700" dirty="0">
+                <a:solidFill>
+                  <a:srgbClr val="C00000"/>
+                </a:solidFill>
+              </a:rPr>
+              <a:t>path: /</a:t>
+            </a:r>
+          </a:p>
+        </p:txBody>
+      </p:sp>
+      <p:cxnSp>
+        <p:nvCxnSpPr>
+          <p:cNvPr id="122" name="Straight Arrow Connector 121">
+            <a:extLst>
+              <a:ext uri="{FF2B5EF4-FFF2-40B4-BE49-F238E27FC236}">
+                <a16:creationId xmlns:a16="http://schemas.microsoft.com/office/drawing/2014/main" id="{7396287D-ACEE-DADA-37F4-99B59D8A3AD5}"/>
+              </a:ext>
+            </a:extLst>
+          </p:cNvPr>
+          <p:cNvCxnSpPr>
+            <a:cxnSpLocks/>
+            <a:endCxn id="116" idx="0"/>
+          </p:cNvCxnSpPr>
+          <p:nvPr/>
+        </p:nvCxnSpPr>
+        <p:spPr>
+          <a:xfrm>
+            <a:off x="10383196" y="2762832"/>
+            <a:ext cx="569466" cy="533648"/>
+          </a:xfrm>
+          <a:prstGeom prst="straightConnector1">
+            <a:avLst/>
+          </a:prstGeom>
+          <a:ln>
+            <a:tailEnd type="triangle"/>
+          </a:ln>
+        </p:spPr>
+        <p:style>
+          <a:lnRef idx="1">
+            <a:schemeClr val="dk1"/>
+          </a:lnRef>
+          <a:fillRef idx="0">
+            <a:schemeClr val="dk1"/>
+          </a:fillRef>
+          <a:effectRef idx="0">
+            <a:schemeClr val="dk1"/>
+          </a:effectRef>
+          <a:fontRef idx="minor">
+            <a:schemeClr val="tx1"/>
+          </a:fontRef>
+        </p:style>
+      </p:cxnSp>
+      <p:sp>
+        <p:nvSpPr>
+          <p:cNvPr id="123" name="TextBox 122">
+            <a:extLst>
+              <a:ext uri="{FF2B5EF4-FFF2-40B4-BE49-F238E27FC236}">
+                <a16:creationId xmlns:a16="http://schemas.microsoft.com/office/drawing/2014/main" id="{916D1D3C-053D-DAF2-F928-738D7476D24D}"/>
+              </a:ext>
+            </a:extLst>
+          </p:cNvPr>
+          <p:cNvSpPr txBox="1"/>
+          <p:nvPr/>
+        </p:nvSpPr>
+        <p:spPr>
+          <a:xfrm>
+            <a:off x="10422582" y="2940195"/>
+            <a:ext cx="586883" cy="188648"/>
+          </a:xfrm>
+          <a:prstGeom prst="rect">
+            <a:avLst/>
+          </a:prstGeom>
+          <a:solidFill>
+            <a:schemeClr val="bg1"/>
+          </a:solidFill>
+          <a:ln>
+            <a:noFill/>
+          </a:ln>
+        </p:spPr>
+        <p:style>
+          <a:lnRef idx="2">
+            <a:schemeClr val="accent1"/>
+          </a:lnRef>
+          <a:fillRef idx="1">
+            <a:schemeClr val="lt1"/>
+          </a:fillRef>
+          <a:effectRef idx="0">
+            <a:schemeClr val="accent1"/>
+          </a:effectRef>
+          <a:fontRef idx="minor">
+            <a:schemeClr val="dk1"/>
+          </a:fontRef>
+        </p:style>
+        <p:txBody>
+          <a:bodyPr rtlCol="0" anchor="t"/>
+          <a:lstStyle>
+            <a:defPPr>
+              <a:defRPr lang="en-US"/>
+            </a:defPPr>
+            <a:lvl1pPr algn="ctr">
+              <a:defRPr sz="800">
+                <a:solidFill>
+                  <a:schemeClr val="bg1">
+                    <a:lumMod val="50000"/>
+                  </a:schemeClr>
+                </a:solidFill>
+              </a:defRPr>
+            </a:lvl1pPr>
+            <a:lvl2pPr>
+              <a:defRPr>
+                <a:solidFill>
+                  <a:schemeClr val="dk1"/>
+                </a:solidFill>
+              </a:defRPr>
+            </a:lvl2pPr>
+            <a:lvl3pPr>
+              <a:defRPr>
+                <a:solidFill>
+                  <a:schemeClr val="dk1"/>
+                </a:solidFill>
+              </a:defRPr>
+            </a:lvl3pPr>
+            <a:lvl4pPr>
+              <a:defRPr>
+                <a:solidFill>
+                  <a:schemeClr val="dk1"/>
+                </a:solidFill>
+              </a:defRPr>
+            </a:lvl4pPr>
+            <a:lvl5pPr>
+              <a:defRPr>
+                <a:solidFill>
+                  <a:schemeClr val="dk1"/>
+                </a:solidFill>
+              </a:defRPr>
+            </a:lvl5pPr>
+            <a:lvl6pPr>
+              <a:defRPr>
+                <a:solidFill>
+                  <a:schemeClr val="dk1"/>
+                </a:solidFill>
+              </a:defRPr>
+            </a:lvl6pPr>
+            <a:lvl7pPr>
+              <a:defRPr>
+                <a:solidFill>
+                  <a:schemeClr val="dk1"/>
+                </a:solidFill>
+              </a:defRPr>
+            </a:lvl7pPr>
+            <a:lvl8pPr>
+              <a:defRPr>
+                <a:solidFill>
+                  <a:schemeClr val="dk1"/>
+                </a:solidFill>
+              </a:defRPr>
+            </a:lvl8pPr>
+            <a:lvl9pPr>
+              <a:defRPr>
+                <a:solidFill>
+                  <a:schemeClr val="dk1"/>
+                </a:solidFill>
+              </a:defRPr>
+            </a:lvl9pPr>
+          </a:lstStyle>
+          <a:p>
+            <a:pPr algn="l"/>
+            <a:r>
+              <a:rPr lang="en-AU" sz="700" dirty="0">
+                <a:solidFill>
+                  <a:srgbClr val="C00000"/>
+                </a:solidFill>
+              </a:rPr>
+              <a:t>path: /api</a:t>
+            </a:r>
+          </a:p>
+        </p:txBody>
+      </p:sp>
+      <p:cxnSp>
+        <p:nvCxnSpPr>
+          <p:cNvPr id="124" name="Straight Arrow Connector 123">
+            <a:extLst>
+              <a:ext uri="{FF2B5EF4-FFF2-40B4-BE49-F238E27FC236}">
+                <a16:creationId xmlns:a16="http://schemas.microsoft.com/office/drawing/2014/main" id="{5F9098CD-819A-C149-AA60-BBF9914E1576}"/>
+              </a:ext>
+            </a:extLst>
+          </p:cNvPr>
+          <p:cNvCxnSpPr>
+            <a:cxnSpLocks/>
+            <a:stCxn id="117" idx="2"/>
+            <a:endCxn id="118" idx="0"/>
+          </p:cNvCxnSpPr>
+          <p:nvPr/>
+        </p:nvCxnSpPr>
+        <p:spPr>
+          <a:xfrm>
+            <a:off x="10952663" y="3838423"/>
+            <a:ext cx="0" cy="202419"/>
+          </a:xfrm>
+          <a:prstGeom prst="straightConnector1">
+            <a:avLst/>
+          </a:prstGeom>
+          <a:ln>
+            <a:tailEnd type="triangle"/>
+          </a:ln>
+        </p:spPr>
+        <p:style>
+          <a:lnRef idx="1">
+            <a:schemeClr val="dk1"/>
+          </a:lnRef>
+          <a:fillRef idx="0">
+            <a:schemeClr val="dk1"/>
+          </a:fillRef>
+          <a:effectRef idx="0">
+            <a:schemeClr val="dk1"/>
+          </a:effectRef>
+          <a:fontRef idx="minor">
+            <a:schemeClr val="tx1"/>
+          </a:fontRef>
+        </p:style>
+      </p:cxnSp>
+      <p:sp>
+        <p:nvSpPr>
+          <p:cNvPr id="137" name="Rectangle 136">
+            <a:extLst>
+              <a:ext uri="{FF2B5EF4-FFF2-40B4-BE49-F238E27FC236}">
+                <a16:creationId xmlns:a16="http://schemas.microsoft.com/office/drawing/2014/main" id="{52713E36-F9F7-1D92-27C6-B828677B6DDB}"/>
+              </a:ext>
+            </a:extLst>
+          </p:cNvPr>
+          <p:cNvSpPr/>
+          <p:nvPr/>
+        </p:nvSpPr>
+        <p:spPr>
+          <a:xfrm>
+            <a:off x="9196406" y="2482992"/>
+            <a:ext cx="2370963" cy="278811"/>
+          </a:xfrm>
+          <a:prstGeom prst="rect">
+            <a:avLst/>
+          </a:prstGeom>
+          <a:noFill/>
+          <a:ln>
+            <a:solidFill>
+              <a:schemeClr val="bg1">
+                <a:lumMod val="85000"/>
+              </a:schemeClr>
+            </a:solidFill>
+          </a:ln>
+        </p:spPr>
+        <p:style>
+          <a:lnRef idx="2">
+            <a:schemeClr val="accent1"/>
+          </a:lnRef>
+          <a:fillRef idx="1">
+            <a:schemeClr val="lt1"/>
+          </a:fillRef>
+          <a:effectRef idx="0">
+            <a:schemeClr val="accent1"/>
+          </a:effectRef>
+          <a:fontRef idx="minor">
+            <a:schemeClr val="dk1"/>
+          </a:fontRef>
+        </p:style>
+        <p:txBody>
+          <a:bodyPr rtlCol="0" anchor="t"/>
+          <a:lstStyle/>
+          <a:p>
+            <a:pPr algn="r"/>
+            <a:r>
+              <a:rPr lang="en-US" sz="700" dirty="0">
+                <a:solidFill>
+                  <a:schemeClr val="bg1">
+                    <a:lumMod val="50000"/>
+                  </a:schemeClr>
+                </a:solidFill>
+              </a:rPr>
+              <a:t>Ingress Load-Balancer</a:t>
+            </a:r>
+          </a:p>
+        </p:txBody>
+      </p:sp>
+      <p:sp>
+        <p:nvSpPr>
+          <p:cNvPr id="138" name="TextBox 137">
+            <a:extLst>
+              <a:ext uri="{FF2B5EF4-FFF2-40B4-BE49-F238E27FC236}">
+                <a16:creationId xmlns:a16="http://schemas.microsoft.com/office/drawing/2014/main" id="{A67A1DDA-6E7E-D0C8-8817-C4FE2AE0F356}"/>
+              </a:ext>
+            </a:extLst>
+          </p:cNvPr>
+          <p:cNvSpPr txBox="1"/>
+          <p:nvPr/>
+        </p:nvSpPr>
+        <p:spPr>
+          <a:xfrm>
+            <a:off x="9196404" y="2550148"/>
+            <a:ext cx="995126" cy="200055"/>
+          </a:xfrm>
+          <a:prstGeom prst="rect">
+            <a:avLst/>
+          </a:prstGeom>
+          <a:noFill/>
+        </p:spPr>
+        <p:txBody>
+          <a:bodyPr wrap="square">
+            <a:spAutoFit/>
+          </a:bodyPr>
+          <a:lstStyle/>
+          <a:p>
+            <a:pPr algn="ctr"/>
+            <a:r>
+              <a:rPr lang="en-US" sz="700" dirty="0">
+                <a:solidFill>
+                  <a:srgbClr val="C00000"/>
+                </a:solidFill>
+                <a:highlight>
+                  <a:srgbClr val="FFFF00"/>
+                </a:highlight>
+              </a:rPr>
+              <a:t>host: demo.dr.com</a:t>
+            </a:r>
+          </a:p>
+        </p:txBody>
+      </p:sp>
+      <p:sp>
+        <p:nvSpPr>
+          <p:cNvPr id="140" name="Rectangle 139">
+            <a:extLst>
+              <a:ext uri="{FF2B5EF4-FFF2-40B4-BE49-F238E27FC236}">
+                <a16:creationId xmlns:a16="http://schemas.microsoft.com/office/drawing/2014/main" id="{BDFD6C0A-9F87-D7E6-038F-D8E33A8410A5}"/>
+              </a:ext>
+            </a:extLst>
+          </p:cNvPr>
+          <p:cNvSpPr/>
+          <p:nvPr/>
+        </p:nvSpPr>
+        <p:spPr>
+          <a:xfrm>
+            <a:off x="9034116" y="2366605"/>
+            <a:ext cx="2779932" cy="2721096"/>
+          </a:xfrm>
+          <a:prstGeom prst="rect">
+            <a:avLst/>
+          </a:prstGeom>
+          <a:noFill/>
+          <a:ln>
+            <a:solidFill>
+              <a:schemeClr val="bg1">
+                <a:lumMod val="85000"/>
+              </a:schemeClr>
+            </a:solidFill>
+          </a:ln>
+        </p:spPr>
+        <p:style>
+          <a:lnRef idx="2">
+            <a:schemeClr val="accent1"/>
+          </a:lnRef>
+          <a:fillRef idx="1">
+            <a:schemeClr val="lt1"/>
+          </a:fillRef>
+          <a:effectRef idx="0">
+            <a:schemeClr val="accent1"/>
+          </a:effectRef>
+          <a:fontRef idx="minor">
+            <a:schemeClr val="dk1"/>
+          </a:fontRef>
+        </p:style>
+        <p:txBody>
+          <a:bodyPr rtlCol="0" anchor="b"/>
+          <a:lstStyle/>
+          <a:p>
+            <a:pPr algn="ctr"/>
+            <a:r>
+              <a:rPr lang="en-US" sz="700" dirty="0">
+                <a:solidFill>
+                  <a:schemeClr val="bg1">
+                    <a:lumMod val="50000"/>
+                  </a:schemeClr>
+                </a:solidFill>
+              </a:rPr>
+              <a:t>DR K8s Cluster</a:t>
+            </a:r>
+          </a:p>
+        </p:txBody>
+      </p:sp>
+      <p:cxnSp>
+        <p:nvCxnSpPr>
+          <p:cNvPr id="147" name="Straight Arrow Connector 146">
+            <a:extLst>
+              <a:ext uri="{FF2B5EF4-FFF2-40B4-BE49-F238E27FC236}">
+                <a16:creationId xmlns:a16="http://schemas.microsoft.com/office/drawing/2014/main" id="{C5BEABC8-6065-4E90-8723-1D11D8F627ED}"/>
+              </a:ext>
+            </a:extLst>
+          </p:cNvPr>
+          <p:cNvCxnSpPr>
+            <a:cxnSpLocks/>
+            <a:stCxn id="31" idx="2"/>
+            <a:endCxn id="137" idx="0"/>
+          </p:cNvCxnSpPr>
+          <p:nvPr/>
+        </p:nvCxnSpPr>
+        <p:spPr>
+          <a:xfrm>
+            <a:off x="7706658" y="2280265"/>
+            <a:ext cx="2675230" cy="202727"/>
+          </a:xfrm>
+          <a:prstGeom prst="straightConnector1">
+            <a:avLst/>
+          </a:prstGeom>
+          <a:ln>
+            <a:tailEnd type="triangle"/>
+          </a:ln>
+        </p:spPr>
+        <p:style>
+          <a:lnRef idx="1">
+            <a:schemeClr val="dk1"/>
+          </a:lnRef>
+          <a:fillRef idx="0">
+            <a:schemeClr val="dk1"/>
+          </a:fillRef>
+          <a:effectRef idx="0">
+            <a:schemeClr val="dk1"/>
+          </a:effectRef>
+          <a:fontRef idx="minor">
+            <a:schemeClr val="tx1"/>
+          </a:fontRef>
+        </p:style>
+      </p:cxnSp>
+      <p:grpSp>
+        <p:nvGrpSpPr>
+          <p:cNvPr id="159" name="Group 158">
+            <a:extLst>
+              <a:ext uri="{FF2B5EF4-FFF2-40B4-BE49-F238E27FC236}">
+                <a16:creationId xmlns:a16="http://schemas.microsoft.com/office/drawing/2014/main" id="{2026E0E4-8B3D-5C40-8403-F3EA1AF27CC9}"/>
+              </a:ext>
+            </a:extLst>
+          </p:cNvPr>
+          <p:cNvGrpSpPr/>
+          <p:nvPr/>
+        </p:nvGrpSpPr>
+        <p:grpSpPr>
+          <a:xfrm>
+            <a:off x="3648216" y="4793987"/>
+            <a:ext cx="2679035" cy="2198519"/>
+            <a:chOff x="7750078" y="2379320"/>
+            <a:chExt cx="2959100" cy="2743200"/>
+          </a:xfrm>
+        </p:grpSpPr>
+        <p:pic>
+          <p:nvPicPr>
+            <p:cNvPr id="161" name="Picture 10" descr="Buy MacBook Air with M1 Chip - Education - Apple (AU)">
+              <a:extLst>
+                <a:ext uri="{FF2B5EF4-FFF2-40B4-BE49-F238E27FC236}">
+                  <a16:creationId xmlns:a16="http://schemas.microsoft.com/office/drawing/2014/main" id="{B20BF799-91FE-68DB-CDA4-A368E9480E54}"/>
+                </a:ext>
+              </a:extLst>
+            </p:cNvPr>
+            <p:cNvPicPr>
+              <a:picLocks noChangeAspect="1" noChangeArrowheads="1"/>
+            </p:cNvPicPr>
+            <p:nvPr/>
+          </p:nvPicPr>
+          <p:blipFill>
+            <a:blip r:embed="rId12">
+              <a:extLst>
+                <a:ext uri="{28A0092B-C50C-407E-A947-70E740481C1C}">
+                  <a14:useLocalDpi xmlns:a14="http://schemas.microsoft.com/office/drawing/2010/main" val="0"/>
+                </a:ext>
+              </a:extLst>
+            </a:blip>
+            <a:srcRect/>
+            <a:stretch>
+              <a:fillRect/>
+            </a:stretch>
+          </p:blipFill>
+          <p:spPr bwMode="auto">
+            <a:xfrm>
+              <a:off x="7750078" y="2379320"/>
+              <a:ext cx="2959100" cy="2743200"/>
+            </a:xfrm>
+            <a:prstGeom prst="rect">
+              <a:avLst/>
+            </a:prstGeom>
+            <a:noFill/>
+            <a:extLst>
+              <a:ext uri="{909E8E84-426E-40DD-AFC4-6F175D3DCCD1}">
+                <a14:hiddenFill xmlns:a14="http://schemas.microsoft.com/office/drawing/2010/main">
+                  <a:solidFill>
+                    <a:srgbClr val="FFFFFF"/>
+                  </a:solidFill>
+                </a14:hiddenFill>
+              </a:ext>
+            </a:extLst>
+          </p:spPr>
+        </p:pic>
+        <p:sp>
+          <p:nvSpPr>
+            <p:cNvPr id="162" name="Rectangle 161">
+              <a:extLst>
+                <a:ext uri="{FF2B5EF4-FFF2-40B4-BE49-F238E27FC236}">
+                  <a16:creationId xmlns:a16="http://schemas.microsoft.com/office/drawing/2014/main" id="{4140270F-D6AB-6310-4616-3B77EB2177ED}"/>
+                </a:ext>
+              </a:extLst>
+            </p:cNvPr>
+            <p:cNvSpPr/>
+            <p:nvPr/>
+          </p:nvSpPr>
+          <p:spPr>
+            <a:xfrm>
+              <a:off x="8077200" y="3003172"/>
+              <a:ext cx="2315583" cy="1411179"/>
+            </a:xfrm>
+            <a:prstGeom prst="rect">
+              <a:avLst/>
+            </a:prstGeom>
+            <a:solidFill>
+              <a:schemeClr val="bg1"/>
+            </a:solidFill>
+          </p:spPr>
+          <p:style>
+            <a:lnRef idx="2">
+              <a:schemeClr val="accent1">
+                <a:shade val="50000"/>
+              </a:schemeClr>
+            </a:lnRef>
+            <a:fillRef idx="1">
+              <a:schemeClr val="accent1"/>
+            </a:fillRef>
+            <a:effectRef idx="0">
+              <a:schemeClr val="accent1"/>
+            </a:effectRef>
+            <a:fontRef idx="minor">
+              <a:schemeClr val="lt1"/>
+            </a:fontRef>
+          </p:style>
+          <p:txBody>
+            <a:bodyPr rtlCol="0" anchor="ctr"/>
+            <a:lstStyle/>
+            <a:p>
+              <a:pPr algn="ctr"/>
+              <a:endParaRPr lang="en-US"/>
+            </a:p>
+          </p:txBody>
+        </p:sp>
+      </p:grpSp>
+      <p:pic>
+        <p:nvPicPr>
+          <p:cNvPr id="160" name="Picture 18" descr="What Is the Future of Node.js? Node.js Benefits | LITSLINK Blog">
+            <a:extLst>
+              <a:ext uri="{FF2B5EF4-FFF2-40B4-BE49-F238E27FC236}">
+                <a16:creationId xmlns:a16="http://schemas.microsoft.com/office/drawing/2014/main" id="{46C79F5A-BEA2-863E-8CE4-DF03030009F6}"/>
+              </a:ext>
+            </a:extLst>
+          </p:cNvPr>
+          <p:cNvPicPr>
+            <a:picLocks noChangeAspect="1" noChangeArrowheads="1"/>
+          </p:cNvPicPr>
+          <p:nvPr/>
+        </p:nvPicPr>
+        <p:blipFill>
+          <a:blip r:embed="rId6">
+            <a:extLst>
+              <a:ext uri="{28A0092B-C50C-407E-A947-70E740481C1C}">
+                <a14:useLocalDpi xmlns:a14="http://schemas.microsoft.com/office/drawing/2010/main" val="0"/>
+              </a:ext>
+            </a:extLst>
+          </a:blip>
+          <a:srcRect/>
+          <a:stretch>
+            <a:fillRect/>
+          </a:stretch>
+        </p:blipFill>
+        <p:spPr bwMode="auto">
+          <a:xfrm>
+            <a:off x="4751735" y="5923467"/>
+            <a:ext cx="562656" cy="322059"/>
+          </a:xfrm>
+          <a:prstGeom prst="rect">
+            <a:avLst/>
+          </a:prstGeom>
+          <a:noFill/>
+          <a:extLst>
+            <a:ext uri="{909E8E84-426E-40DD-AFC4-6F175D3DCCD1}">
+              <a14:hiddenFill xmlns:a14="http://schemas.microsoft.com/office/drawing/2010/main">
+                <a:solidFill>
+                  <a:srgbClr val="FFFFFF"/>
+                </a:solidFill>
+              </a14:hiddenFill>
+            </a:ext>
+          </a:extLst>
+        </p:spPr>
+      </p:pic>
+      <p:pic>
+        <p:nvPicPr>
+          <p:cNvPr id="158" name="Picture 6" descr="What is GitHub? — Pythia Foundations">
+            <a:extLst>
+              <a:ext uri="{FF2B5EF4-FFF2-40B4-BE49-F238E27FC236}">
+                <a16:creationId xmlns:a16="http://schemas.microsoft.com/office/drawing/2014/main" id="{E3DAD9C2-DD23-B93D-1BD6-320CA27D1A61}"/>
+              </a:ext>
+            </a:extLst>
+          </p:cNvPr>
+          <p:cNvPicPr>
+            <a:picLocks noChangeAspect="1" noChangeArrowheads="1"/>
+          </p:cNvPicPr>
+          <p:nvPr/>
+        </p:nvPicPr>
+        <p:blipFill>
+          <a:blip r:embed="rId13">
+            <a:extLst>
+              <a:ext uri="{28A0092B-C50C-407E-A947-70E740481C1C}">
+                <a14:useLocalDpi xmlns:a14="http://schemas.microsoft.com/office/drawing/2010/main" val="0"/>
+              </a:ext>
+            </a:extLst>
+          </a:blip>
+          <a:srcRect/>
+          <a:stretch>
+            <a:fillRect/>
+          </a:stretch>
+        </p:blipFill>
+        <p:spPr bwMode="auto">
+          <a:xfrm>
+            <a:off x="1290320" y="3945126"/>
+            <a:ext cx="534729" cy="299449"/>
+          </a:xfrm>
+          <a:prstGeom prst="rect">
+            <a:avLst/>
+          </a:prstGeom>
+          <a:noFill/>
+          <a:extLst>
+            <a:ext uri="{909E8E84-426E-40DD-AFC4-6F175D3DCCD1}">
+              <a14:hiddenFill xmlns:a14="http://schemas.microsoft.com/office/drawing/2010/main">
+                <a:solidFill>
+                  <a:srgbClr val="FFFFFF"/>
+                </a:solidFill>
+              </a14:hiddenFill>
+            </a:ext>
+          </a:extLst>
+        </p:spPr>
+      </p:pic>
+      <p:pic>
+        <p:nvPicPr>
+          <p:cNvPr id="155" name="Picture 4" descr="Your custom development solution with React JS| Ubidreams">
+            <a:extLst>
+              <a:ext uri="{FF2B5EF4-FFF2-40B4-BE49-F238E27FC236}">
+                <a16:creationId xmlns:a16="http://schemas.microsoft.com/office/drawing/2014/main" id="{C39E6D9F-8104-01A6-833C-595846F39B25}"/>
+              </a:ext>
+            </a:extLst>
+          </p:cNvPr>
+          <p:cNvPicPr>
+            <a:picLocks noChangeAspect="1" noChangeArrowheads="1"/>
+          </p:cNvPicPr>
+          <p:nvPr/>
+        </p:nvPicPr>
+        <p:blipFill>
+          <a:blip r:embed="rId5">
+            <a:extLst>
+              <a:ext uri="{28A0092B-C50C-407E-A947-70E740481C1C}">
+                <a14:useLocalDpi xmlns:a14="http://schemas.microsoft.com/office/drawing/2010/main" val="0"/>
+              </a:ext>
+            </a:extLst>
+          </a:blip>
+          <a:srcRect/>
+          <a:stretch>
+            <a:fillRect/>
+          </a:stretch>
+        </p:blipFill>
+        <p:spPr bwMode="auto">
+          <a:xfrm>
+            <a:off x="4853413" y="5672120"/>
+            <a:ext cx="359300" cy="236074"/>
+          </a:xfrm>
+          <a:prstGeom prst="rect">
+            <a:avLst/>
+          </a:prstGeom>
+          <a:noFill/>
+          <a:extLst>
+            <a:ext uri="{909E8E84-426E-40DD-AFC4-6F175D3DCCD1}">
+              <a14:hiddenFill xmlns:a14="http://schemas.microsoft.com/office/drawing/2010/main">
+                <a:solidFill>
+                  <a:srgbClr val="FFFFFF"/>
+                </a:solidFill>
+              </a14:hiddenFill>
+            </a:ext>
+          </a:extLst>
+        </p:spPr>
+      </p:pic>
+      <p:sp>
+        <p:nvSpPr>
+          <p:cNvPr id="164" name="TextBox 163">
+            <a:extLst>
+              <a:ext uri="{FF2B5EF4-FFF2-40B4-BE49-F238E27FC236}">
+                <a16:creationId xmlns:a16="http://schemas.microsoft.com/office/drawing/2014/main" id="{E42418C9-10F5-ED65-9058-9081421C5513}"/>
+              </a:ext>
+            </a:extLst>
+          </p:cNvPr>
+          <p:cNvSpPr txBox="1"/>
+          <p:nvPr/>
+        </p:nvSpPr>
+        <p:spPr>
+          <a:xfrm>
+            <a:off x="4119660" y="5321605"/>
+            <a:ext cx="1826806" cy="246221"/>
+          </a:xfrm>
+          <a:prstGeom prst="rect">
+            <a:avLst/>
+          </a:prstGeom>
+          <a:noFill/>
+        </p:spPr>
+        <p:txBody>
+          <a:bodyPr wrap="square" lIns="0" tIns="0" rIns="0" bIns="0">
+            <a:spAutoFit/>
+          </a:bodyPr>
+          <a:lstStyle/>
+          <a:p>
+            <a:pPr algn="ctr"/>
+            <a:r>
+              <a:rPr lang="en-AU" sz="800" b="0" dirty="0">
+                <a:solidFill>
+                  <a:srgbClr val="C00000"/>
+                </a:solidFill>
+                <a:effectLst/>
+                <a:latin typeface="Menlo" panose="020B0609030804020204" pitchFamily="49" charset="0"/>
+              </a:rPr>
+              <a:t>export const API_URL = "http://</a:t>
+            </a:r>
+            <a:r>
+              <a:rPr lang="en-AU" sz="800" b="0" dirty="0">
+                <a:solidFill>
+                  <a:srgbClr val="C00000"/>
+                </a:solidFill>
+                <a:effectLst/>
+                <a:highlight>
+                  <a:srgbClr val="FFFF00"/>
+                </a:highlight>
+                <a:latin typeface="Menlo" panose="020B0609030804020204" pitchFamily="49" charset="0"/>
+              </a:rPr>
+              <a:t>demo.com</a:t>
+            </a:r>
+            <a:r>
+              <a:rPr lang="en-AU" sz="800" b="0" dirty="0">
+                <a:solidFill>
+                  <a:srgbClr val="C00000"/>
+                </a:solidFill>
+                <a:effectLst/>
+                <a:latin typeface="Menlo" panose="020B0609030804020204" pitchFamily="49" charset="0"/>
+              </a:rPr>
+              <a:t>/api";</a:t>
+            </a:r>
+          </a:p>
+        </p:txBody>
+      </p:sp>
+      <p:pic>
+        <p:nvPicPr>
+          <p:cNvPr id="165" name="Picture 2" descr="What is Docker? | AWS">
+            <a:extLst>
+              <a:ext uri="{FF2B5EF4-FFF2-40B4-BE49-F238E27FC236}">
+                <a16:creationId xmlns:a16="http://schemas.microsoft.com/office/drawing/2014/main" id="{612DCB1A-B31E-9D86-C89D-449157081856}"/>
+              </a:ext>
+            </a:extLst>
+          </p:cNvPr>
+          <p:cNvPicPr>
+            <a:picLocks noChangeAspect="1" noChangeArrowheads="1"/>
+          </p:cNvPicPr>
+          <p:nvPr/>
+        </p:nvPicPr>
+        <p:blipFill>
+          <a:blip r:embed="rId14">
+            <a:extLst>
+              <a:ext uri="{28A0092B-C50C-407E-A947-70E740481C1C}">
+                <a14:useLocalDpi xmlns:a14="http://schemas.microsoft.com/office/drawing/2010/main" val="0"/>
+              </a:ext>
+            </a:extLst>
+          </a:blip>
+          <a:srcRect/>
+          <a:stretch>
+            <a:fillRect/>
+          </a:stretch>
+        </p:blipFill>
+        <p:spPr bwMode="auto">
+          <a:xfrm>
+            <a:off x="1724623" y="3945126"/>
+            <a:ext cx="669411" cy="314311"/>
+          </a:xfrm>
+          <a:prstGeom prst="rect">
+            <a:avLst/>
+          </a:prstGeom>
+          <a:noFill/>
+          <a:extLst>
+            <a:ext uri="{909E8E84-426E-40DD-AFC4-6F175D3DCCD1}">
+              <a14:hiddenFill xmlns:a14="http://schemas.microsoft.com/office/drawing/2010/main">
+                <a:solidFill>
+                  <a:srgbClr val="FFFFFF"/>
+                </a:solidFill>
+              </a14:hiddenFill>
+            </a:ext>
+          </a:extLst>
+        </p:spPr>
+      </p:pic>
+      <p:pic>
+        <p:nvPicPr>
+          <p:cNvPr id="167" name="Graphic 166" descr="Cloud outline">
+            <a:extLst>
+              <a:ext uri="{FF2B5EF4-FFF2-40B4-BE49-F238E27FC236}">
+                <a16:creationId xmlns:a16="http://schemas.microsoft.com/office/drawing/2014/main" id="{B79E885D-B52D-80FA-2F85-604D8C6590E3}"/>
+              </a:ext>
+            </a:extLst>
+          </p:cNvPr>
+          <p:cNvPicPr>
+            <a:picLocks noChangeAspect="1"/>
+          </p:cNvPicPr>
+          <p:nvPr/>
+        </p:nvPicPr>
+        <p:blipFill>
+          <a:blip r:embed="rId15">
+            <a:extLst>
+              <a:ext uri="{96DAC541-7B7A-43D3-8B79-37D633B846F1}">
+                <asvg:svgBlip xmlns:asvg="http://schemas.microsoft.com/office/drawing/2016/SVG/main" r:embed="rId16"/>
+              </a:ext>
+            </a:extLst>
+          </a:blip>
+          <a:stretch>
+            <a:fillRect/>
+          </a:stretch>
+        </p:blipFill>
+        <p:spPr>
+          <a:xfrm>
+            <a:off x="1109341" y="3261573"/>
+            <a:ext cx="1484531" cy="1484531"/>
+          </a:xfrm>
+          <a:prstGeom prst="rect">
+            <a:avLst/>
+          </a:prstGeom>
+        </p:spPr>
+      </p:pic>
+      <p:cxnSp>
+        <p:nvCxnSpPr>
+          <p:cNvPr id="171" name="Straight Arrow Connector 170">
+            <a:extLst>
+              <a:ext uri="{FF2B5EF4-FFF2-40B4-BE49-F238E27FC236}">
+                <a16:creationId xmlns:a16="http://schemas.microsoft.com/office/drawing/2014/main" id="{F968611C-D066-563B-F911-9FC5050E6FDE}"/>
+              </a:ext>
+            </a:extLst>
+          </p:cNvPr>
+          <p:cNvCxnSpPr>
+            <a:cxnSpLocks/>
+            <a:stCxn id="164" idx="0"/>
+          </p:cNvCxnSpPr>
+          <p:nvPr/>
+        </p:nvCxnSpPr>
+        <p:spPr>
+          <a:xfrm flipH="1" flipV="1">
+            <a:off x="5030097" y="5022981"/>
+            <a:ext cx="2966" cy="298624"/>
+          </a:xfrm>
+          <a:prstGeom prst="straightConnector1">
+            <a:avLst/>
+          </a:prstGeom>
+          <a:ln>
+            <a:tailEnd type="triangle"/>
+          </a:ln>
+        </p:spPr>
+        <p:style>
+          <a:lnRef idx="1">
+            <a:schemeClr val="dk1"/>
+          </a:lnRef>
+          <a:fillRef idx="0">
+            <a:schemeClr val="dk1"/>
+          </a:fillRef>
+          <a:effectRef idx="0">
+            <a:schemeClr val="dk1"/>
+          </a:effectRef>
+          <a:fontRef idx="minor">
+            <a:schemeClr val="tx1"/>
+          </a:fontRef>
+        </p:style>
+      </p:cxnSp>
+      <p:cxnSp>
+        <p:nvCxnSpPr>
+          <p:cNvPr id="179" name="Straight Arrow Connector 178">
+            <a:extLst>
+              <a:ext uri="{FF2B5EF4-FFF2-40B4-BE49-F238E27FC236}">
+                <a16:creationId xmlns:a16="http://schemas.microsoft.com/office/drawing/2014/main" id="{9157C920-829F-C38D-A4B5-00CC135354B2}"/>
+              </a:ext>
+            </a:extLst>
+          </p:cNvPr>
+          <p:cNvCxnSpPr>
+            <a:cxnSpLocks/>
+            <a:stCxn id="167" idx="3"/>
+            <a:endCxn id="33" idx="1"/>
+          </p:cNvCxnSpPr>
+          <p:nvPr/>
+        </p:nvCxnSpPr>
+        <p:spPr>
+          <a:xfrm>
+            <a:off x="2593872" y="4003839"/>
+            <a:ext cx="1167685" cy="1355"/>
+          </a:xfrm>
+          <a:prstGeom prst="straightConnector1">
+            <a:avLst/>
+          </a:prstGeom>
+          <a:ln>
+            <a:tailEnd type="triangle"/>
+          </a:ln>
+        </p:spPr>
+        <p:style>
+          <a:lnRef idx="1">
+            <a:schemeClr val="dk1"/>
+          </a:lnRef>
+          <a:fillRef idx="0">
+            <a:schemeClr val="dk1"/>
+          </a:fillRef>
+          <a:effectRef idx="0">
+            <a:schemeClr val="dk1"/>
+          </a:effectRef>
+          <a:fontRef idx="minor">
+            <a:schemeClr val="tx1"/>
+          </a:fontRef>
+        </p:style>
+      </p:cxnSp>
+      <p:grpSp>
+        <p:nvGrpSpPr>
+          <p:cNvPr id="10" name="Group 9">
+            <a:extLst>
+              <a:ext uri="{FF2B5EF4-FFF2-40B4-BE49-F238E27FC236}">
+                <a16:creationId xmlns:a16="http://schemas.microsoft.com/office/drawing/2014/main" id="{2F1F657E-38B7-51BF-63D1-4B2BE2AECA45}"/>
+              </a:ext>
+            </a:extLst>
+          </p:cNvPr>
+          <p:cNvGrpSpPr/>
+          <p:nvPr/>
+        </p:nvGrpSpPr>
+        <p:grpSpPr>
+          <a:xfrm>
+            <a:off x="6474505" y="4792875"/>
+            <a:ext cx="2679035" cy="2198519"/>
+            <a:chOff x="7750078" y="2379320"/>
+            <a:chExt cx="2959100" cy="2743200"/>
+          </a:xfrm>
+        </p:grpSpPr>
+        <p:pic>
+          <p:nvPicPr>
+            <p:cNvPr id="11" name="Picture 10" descr="Buy MacBook Air with M1 Chip - Education - Apple (AU)">
+              <a:extLst>
+                <a:ext uri="{FF2B5EF4-FFF2-40B4-BE49-F238E27FC236}">
+                  <a16:creationId xmlns:a16="http://schemas.microsoft.com/office/drawing/2014/main" id="{2BCE5E97-3270-D4FE-B961-FF78333B4902}"/>
+                </a:ext>
+              </a:extLst>
+            </p:cNvPr>
+            <p:cNvPicPr>
+              <a:picLocks noChangeAspect="1" noChangeArrowheads="1"/>
+            </p:cNvPicPr>
+            <p:nvPr/>
+          </p:nvPicPr>
+          <p:blipFill>
+            <a:blip r:embed="rId12">
+              <a:extLst>
+                <a:ext uri="{28A0092B-C50C-407E-A947-70E740481C1C}">
+                  <a14:useLocalDpi xmlns:a14="http://schemas.microsoft.com/office/drawing/2010/main" val="0"/>
+                </a:ext>
+              </a:extLst>
+            </a:blip>
+            <a:srcRect/>
+            <a:stretch>
+              <a:fillRect/>
+            </a:stretch>
+          </p:blipFill>
+          <p:spPr bwMode="auto">
+            <a:xfrm>
+              <a:off x="7750078" y="2379320"/>
+              <a:ext cx="2959100" cy="2743200"/>
+            </a:xfrm>
+            <a:prstGeom prst="rect">
+              <a:avLst/>
+            </a:prstGeom>
+            <a:noFill/>
+            <a:extLst>
+              <a:ext uri="{909E8E84-426E-40DD-AFC4-6F175D3DCCD1}">
+                <a14:hiddenFill xmlns:a14="http://schemas.microsoft.com/office/drawing/2010/main">
+                  <a:solidFill>
+                    <a:srgbClr val="FFFFFF"/>
+                  </a:solidFill>
+                </a14:hiddenFill>
+              </a:ext>
+            </a:extLst>
+          </p:spPr>
+        </p:pic>
+        <p:sp>
+          <p:nvSpPr>
+            <p:cNvPr id="12" name="Rectangle 11">
+              <a:extLst>
+                <a:ext uri="{FF2B5EF4-FFF2-40B4-BE49-F238E27FC236}">
+                  <a16:creationId xmlns:a16="http://schemas.microsoft.com/office/drawing/2014/main" id="{5FD2B239-71AD-3A55-EDD6-B5E22F6E0072}"/>
+                </a:ext>
+              </a:extLst>
+            </p:cNvPr>
+            <p:cNvSpPr/>
+            <p:nvPr/>
+          </p:nvSpPr>
+          <p:spPr>
+            <a:xfrm>
+              <a:off x="8077200" y="3003172"/>
+              <a:ext cx="2315583" cy="1411179"/>
+            </a:xfrm>
+            <a:prstGeom prst="rect">
+              <a:avLst/>
+            </a:prstGeom>
+            <a:solidFill>
+              <a:schemeClr val="bg1"/>
+            </a:solidFill>
+          </p:spPr>
+          <p:style>
+            <a:lnRef idx="2">
+              <a:schemeClr val="accent1">
+                <a:shade val="50000"/>
+              </a:schemeClr>
+            </a:lnRef>
+            <a:fillRef idx="1">
+              <a:schemeClr val="accent1"/>
+            </a:fillRef>
+            <a:effectRef idx="0">
+              <a:schemeClr val="accent1"/>
+            </a:effectRef>
+            <a:fontRef idx="minor">
+              <a:schemeClr val="lt1"/>
+            </a:fontRef>
+          </p:style>
+          <p:txBody>
+            <a:bodyPr rtlCol="0" anchor="ctr"/>
+            <a:lstStyle/>
+            <a:p>
+              <a:pPr algn="ctr"/>
+              <a:endParaRPr lang="en-US"/>
+            </a:p>
+          </p:txBody>
+        </p:sp>
+      </p:grpSp>
+      <p:pic>
+        <p:nvPicPr>
+          <p:cNvPr id="15" name="Picture 18" descr="What Is the Future of Node.js? Node.js Benefits | LITSLINK Blog">
+            <a:extLst>
+              <a:ext uri="{FF2B5EF4-FFF2-40B4-BE49-F238E27FC236}">
+                <a16:creationId xmlns:a16="http://schemas.microsoft.com/office/drawing/2014/main" id="{2B7F1E89-136E-F757-C34A-9F199B7CE98A}"/>
+              </a:ext>
+            </a:extLst>
+          </p:cNvPr>
+          <p:cNvPicPr>
+            <a:picLocks noChangeAspect="1" noChangeArrowheads="1"/>
+          </p:cNvPicPr>
+          <p:nvPr/>
+        </p:nvPicPr>
+        <p:blipFill>
+          <a:blip r:embed="rId6">
+            <a:extLst>
+              <a:ext uri="{28A0092B-C50C-407E-A947-70E740481C1C}">
+                <a14:useLocalDpi xmlns:a14="http://schemas.microsoft.com/office/drawing/2010/main" val="0"/>
+              </a:ext>
+            </a:extLst>
+          </a:blip>
+          <a:srcRect/>
+          <a:stretch>
+            <a:fillRect/>
+          </a:stretch>
+        </p:blipFill>
+        <p:spPr bwMode="auto">
+          <a:xfrm>
+            <a:off x="7578024" y="5922355"/>
+            <a:ext cx="562656" cy="322059"/>
+          </a:xfrm>
+          <a:prstGeom prst="rect">
+            <a:avLst/>
+          </a:prstGeom>
+          <a:noFill/>
+          <a:extLst>
+            <a:ext uri="{909E8E84-426E-40DD-AFC4-6F175D3DCCD1}">
+              <a14:hiddenFill xmlns:a14="http://schemas.microsoft.com/office/drawing/2010/main">
+                <a:solidFill>
+                  <a:srgbClr val="FFFFFF"/>
+                </a:solidFill>
+              </a14:hiddenFill>
+            </a:ext>
+          </a:extLst>
+        </p:spPr>
+      </p:pic>
+      <p:pic>
+        <p:nvPicPr>
+          <p:cNvPr id="17" name="Picture 4" descr="Your custom development solution with React JS| Ubidreams">
+            <a:extLst>
+              <a:ext uri="{FF2B5EF4-FFF2-40B4-BE49-F238E27FC236}">
+                <a16:creationId xmlns:a16="http://schemas.microsoft.com/office/drawing/2014/main" id="{DCF34DEE-82A8-B7BA-94AE-922989B2C7EC}"/>
+              </a:ext>
+            </a:extLst>
+          </p:cNvPr>
+          <p:cNvPicPr>
+            <a:picLocks noChangeAspect="1" noChangeArrowheads="1"/>
+          </p:cNvPicPr>
+          <p:nvPr/>
+        </p:nvPicPr>
+        <p:blipFill>
+          <a:blip r:embed="rId5">
+            <a:extLst>
+              <a:ext uri="{28A0092B-C50C-407E-A947-70E740481C1C}">
+                <a14:useLocalDpi xmlns:a14="http://schemas.microsoft.com/office/drawing/2010/main" val="0"/>
+              </a:ext>
+            </a:extLst>
+          </a:blip>
+          <a:srcRect/>
+          <a:stretch>
+            <a:fillRect/>
+          </a:stretch>
+        </p:blipFill>
+        <p:spPr bwMode="auto">
+          <a:xfrm>
+            <a:off x="7679702" y="5671008"/>
+            <a:ext cx="359300" cy="236074"/>
+          </a:xfrm>
+          <a:prstGeom prst="rect">
+            <a:avLst/>
+          </a:prstGeom>
+          <a:noFill/>
+          <a:extLst>
+            <a:ext uri="{909E8E84-426E-40DD-AFC4-6F175D3DCCD1}">
+              <a14:hiddenFill xmlns:a14="http://schemas.microsoft.com/office/drawing/2010/main">
+                <a:solidFill>
+                  <a:srgbClr val="FFFFFF"/>
+                </a:solidFill>
+              </a14:hiddenFill>
+            </a:ext>
+          </a:extLst>
+        </p:spPr>
+      </p:pic>
+      <p:sp>
+        <p:nvSpPr>
+          <p:cNvPr id="18" name="TextBox 17">
+            <a:extLst>
+              <a:ext uri="{FF2B5EF4-FFF2-40B4-BE49-F238E27FC236}">
+                <a16:creationId xmlns:a16="http://schemas.microsoft.com/office/drawing/2014/main" id="{6B59DFD8-D401-4926-E4BE-0EFD28131008}"/>
+              </a:ext>
+            </a:extLst>
+          </p:cNvPr>
+          <p:cNvSpPr txBox="1"/>
+          <p:nvPr/>
+        </p:nvSpPr>
+        <p:spPr>
+          <a:xfrm>
+            <a:off x="6945949" y="5320493"/>
+            <a:ext cx="1826806" cy="246221"/>
+          </a:xfrm>
+          <a:prstGeom prst="rect">
+            <a:avLst/>
+          </a:prstGeom>
+          <a:noFill/>
+        </p:spPr>
+        <p:txBody>
+          <a:bodyPr wrap="square" lIns="0" tIns="0" rIns="0" bIns="0">
+            <a:spAutoFit/>
+          </a:bodyPr>
+          <a:lstStyle/>
+          <a:p>
+            <a:pPr algn="ctr"/>
+            <a:r>
+              <a:rPr lang="en-AU" sz="800" b="0" dirty="0">
+                <a:solidFill>
+                  <a:srgbClr val="C00000"/>
+                </a:solidFill>
+                <a:effectLst/>
+                <a:latin typeface="Menlo" panose="020B0609030804020204" pitchFamily="49" charset="0"/>
+              </a:rPr>
+              <a:t>export const API_URL = "http://</a:t>
+            </a:r>
+            <a:r>
+              <a:rPr lang="en-AU" sz="800" b="0" dirty="0" err="1">
+                <a:solidFill>
+                  <a:srgbClr val="C00000"/>
+                </a:solidFill>
+                <a:effectLst/>
+                <a:highlight>
+                  <a:srgbClr val="FFFF00"/>
+                </a:highlight>
+                <a:latin typeface="Menlo" panose="020B0609030804020204" pitchFamily="49" charset="0"/>
+              </a:rPr>
+              <a:t>demo.test.com</a:t>
+            </a:r>
+            <a:r>
+              <a:rPr lang="en-AU" sz="800" b="0" dirty="0">
+                <a:solidFill>
+                  <a:srgbClr val="C00000"/>
+                </a:solidFill>
+                <a:effectLst/>
+                <a:latin typeface="Menlo" panose="020B0609030804020204" pitchFamily="49" charset="0"/>
+              </a:rPr>
+              <a:t>/api";</a:t>
+            </a:r>
+          </a:p>
+        </p:txBody>
+      </p:sp>
+      <p:cxnSp>
+        <p:nvCxnSpPr>
+          <p:cNvPr id="19" name="Straight Arrow Connector 18">
+            <a:extLst>
+              <a:ext uri="{FF2B5EF4-FFF2-40B4-BE49-F238E27FC236}">
+                <a16:creationId xmlns:a16="http://schemas.microsoft.com/office/drawing/2014/main" id="{A637D97F-9F66-3B7A-7617-4E4F963E2495}"/>
+              </a:ext>
+            </a:extLst>
+          </p:cNvPr>
+          <p:cNvCxnSpPr>
+            <a:cxnSpLocks/>
+            <a:stCxn id="18" idx="0"/>
+          </p:cNvCxnSpPr>
+          <p:nvPr/>
+        </p:nvCxnSpPr>
+        <p:spPr>
+          <a:xfrm flipH="1" flipV="1">
+            <a:off x="7856386" y="5021869"/>
+            <a:ext cx="2966" cy="298624"/>
+          </a:xfrm>
+          <a:prstGeom prst="straightConnector1">
+            <a:avLst/>
+          </a:prstGeom>
+          <a:ln>
+            <a:tailEnd type="triangle"/>
+          </a:ln>
+        </p:spPr>
+        <p:style>
+          <a:lnRef idx="1">
+            <a:schemeClr val="dk1"/>
+          </a:lnRef>
+          <a:fillRef idx="0">
+            <a:schemeClr val="dk1"/>
+          </a:fillRef>
+          <a:effectRef idx="0">
+            <a:schemeClr val="dk1"/>
+          </a:effectRef>
+          <a:fontRef idx="minor">
+            <a:schemeClr val="tx1"/>
+          </a:fontRef>
+        </p:style>
+      </p:cxnSp>
+      <p:grpSp>
+        <p:nvGrpSpPr>
+          <p:cNvPr id="20" name="Group 19">
+            <a:extLst>
+              <a:ext uri="{FF2B5EF4-FFF2-40B4-BE49-F238E27FC236}">
+                <a16:creationId xmlns:a16="http://schemas.microsoft.com/office/drawing/2014/main" id="{E71FA6BC-FBF8-3974-CBC3-A04EE48B4AAC}"/>
+              </a:ext>
+            </a:extLst>
+          </p:cNvPr>
+          <p:cNvGrpSpPr/>
+          <p:nvPr/>
+        </p:nvGrpSpPr>
+        <p:grpSpPr>
+          <a:xfrm>
+            <a:off x="9230097" y="4787943"/>
+            <a:ext cx="2679035" cy="2198519"/>
+            <a:chOff x="7750078" y="2379320"/>
+            <a:chExt cx="2959100" cy="2743200"/>
+          </a:xfrm>
+        </p:grpSpPr>
+        <p:pic>
+          <p:nvPicPr>
+            <p:cNvPr id="21" name="Picture 20" descr="Buy MacBook Air with M1 Chip - Education - Apple (AU)">
+              <a:extLst>
+                <a:ext uri="{FF2B5EF4-FFF2-40B4-BE49-F238E27FC236}">
+                  <a16:creationId xmlns:a16="http://schemas.microsoft.com/office/drawing/2014/main" id="{5BDEBE62-2820-636C-F5FD-39114E6081FB}"/>
+                </a:ext>
+              </a:extLst>
+            </p:cNvPr>
+            <p:cNvPicPr>
+              <a:picLocks noChangeAspect="1" noChangeArrowheads="1"/>
+            </p:cNvPicPr>
+            <p:nvPr/>
+          </p:nvPicPr>
+          <p:blipFill>
+            <a:blip r:embed="rId12">
+              <a:extLst>
+                <a:ext uri="{28A0092B-C50C-407E-A947-70E740481C1C}">
+                  <a14:useLocalDpi xmlns:a14="http://schemas.microsoft.com/office/drawing/2010/main" val="0"/>
+                </a:ext>
+              </a:extLst>
+            </a:blip>
+            <a:srcRect/>
+            <a:stretch>
+              <a:fillRect/>
+            </a:stretch>
+          </p:blipFill>
+          <p:spPr bwMode="auto">
+            <a:xfrm>
+              <a:off x="7750078" y="2379320"/>
+              <a:ext cx="2959100" cy="2743200"/>
+            </a:xfrm>
+            <a:prstGeom prst="rect">
+              <a:avLst/>
+            </a:prstGeom>
+            <a:noFill/>
+            <a:extLst>
+              <a:ext uri="{909E8E84-426E-40DD-AFC4-6F175D3DCCD1}">
+                <a14:hiddenFill xmlns:a14="http://schemas.microsoft.com/office/drawing/2010/main">
+                  <a:solidFill>
+                    <a:srgbClr val="FFFFFF"/>
+                  </a:solidFill>
+                </a14:hiddenFill>
+              </a:ext>
+            </a:extLst>
+          </p:spPr>
+        </p:pic>
+        <p:sp>
+          <p:nvSpPr>
+            <p:cNvPr id="22" name="Rectangle 21">
+              <a:extLst>
+                <a:ext uri="{FF2B5EF4-FFF2-40B4-BE49-F238E27FC236}">
+                  <a16:creationId xmlns:a16="http://schemas.microsoft.com/office/drawing/2014/main" id="{1D476AF4-6F41-4378-3E02-43A20C116A50}"/>
+                </a:ext>
+              </a:extLst>
+            </p:cNvPr>
+            <p:cNvSpPr/>
+            <p:nvPr/>
+          </p:nvSpPr>
+          <p:spPr>
+            <a:xfrm>
+              <a:off x="8077200" y="3003172"/>
+              <a:ext cx="2315583" cy="1411179"/>
+            </a:xfrm>
+            <a:prstGeom prst="rect">
+              <a:avLst/>
+            </a:prstGeom>
+            <a:solidFill>
+              <a:schemeClr val="bg1"/>
+            </a:solidFill>
+          </p:spPr>
+          <p:style>
+            <a:lnRef idx="2">
+              <a:schemeClr val="accent1">
+                <a:shade val="50000"/>
+              </a:schemeClr>
+            </a:lnRef>
+            <a:fillRef idx="1">
+              <a:schemeClr val="accent1"/>
+            </a:fillRef>
+            <a:effectRef idx="0">
+              <a:schemeClr val="accent1"/>
+            </a:effectRef>
+            <a:fontRef idx="minor">
+              <a:schemeClr val="lt1"/>
+            </a:fontRef>
+          </p:style>
+          <p:txBody>
+            <a:bodyPr rtlCol="0" anchor="ctr"/>
+            <a:lstStyle/>
+            <a:p>
+              <a:pPr algn="ctr"/>
+              <a:endParaRPr lang="en-US"/>
+            </a:p>
+          </p:txBody>
+        </p:sp>
+      </p:grpSp>
+      <p:pic>
+        <p:nvPicPr>
+          <p:cNvPr id="23" name="Picture 18" descr="What Is the Future of Node.js? Node.js Benefits | LITSLINK Blog">
+            <a:extLst>
+              <a:ext uri="{FF2B5EF4-FFF2-40B4-BE49-F238E27FC236}">
+                <a16:creationId xmlns:a16="http://schemas.microsoft.com/office/drawing/2014/main" id="{AFC8F6CF-40B4-FF93-7655-C9A4C37F957E}"/>
+              </a:ext>
+            </a:extLst>
+          </p:cNvPr>
+          <p:cNvPicPr>
+            <a:picLocks noChangeAspect="1" noChangeArrowheads="1"/>
+          </p:cNvPicPr>
+          <p:nvPr/>
+        </p:nvPicPr>
+        <p:blipFill>
+          <a:blip r:embed="rId6">
+            <a:extLst>
+              <a:ext uri="{28A0092B-C50C-407E-A947-70E740481C1C}">
+                <a14:useLocalDpi xmlns:a14="http://schemas.microsoft.com/office/drawing/2010/main" val="0"/>
+              </a:ext>
+            </a:extLst>
+          </a:blip>
+          <a:srcRect/>
+          <a:stretch>
+            <a:fillRect/>
+          </a:stretch>
+        </p:blipFill>
+        <p:spPr bwMode="auto">
+          <a:xfrm>
+            <a:off x="10333616" y="5917423"/>
+            <a:ext cx="562656" cy="322059"/>
+          </a:xfrm>
+          <a:prstGeom prst="rect">
+            <a:avLst/>
+          </a:prstGeom>
+          <a:noFill/>
+          <a:extLst>
+            <a:ext uri="{909E8E84-426E-40DD-AFC4-6F175D3DCCD1}">
+              <a14:hiddenFill xmlns:a14="http://schemas.microsoft.com/office/drawing/2010/main">
+                <a:solidFill>
+                  <a:srgbClr val="FFFFFF"/>
+                </a:solidFill>
+              </a14:hiddenFill>
+            </a:ext>
+          </a:extLst>
+        </p:spPr>
+      </p:pic>
+      <p:pic>
+        <p:nvPicPr>
+          <p:cNvPr id="24" name="Picture 4" descr="Your custom development solution with React JS| Ubidreams">
+            <a:extLst>
+              <a:ext uri="{FF2B5EF4-FFF2-40B4-BE49-F238E27FC236}">
+                <a16:creationId xmlns:a16="http://schemas.microsoft.com/office/drawing/2014/main" id="{CCABE630-0F6D-2EE2-3B97-F6E9FB31346F}"/>
+              </a:ext>
+            </a:extLst>
+          </p:cNvPr>
+          <p:cNvPicPr>
+            <a:picLocks noChangeAspect="1" noChangeArrowheads="1"/>
+          </p:cNvPicPr>
+          <p:nvPr/>
+        </p:nvPicPr>
+        <p:blipFill>
+          <a:blip r:embed="rId5">
+            <a:extLst>
+              <a:ext uri="{28A0092B-C50C-407E-A947-70E740481C1C}">
+                <a14:useLocalDpi xmlns:a14="http://schemas.microsoft.com/office/drawing/2010/main" val="0"/>
+              </a:ext>
+            </a:extLst>
+          </a:blip>
+          <a:srcRect/>
+          <a:stretch>
+            <a:fillRect/>
+          </a:stretch>
+        </p:blipFill>
+        <p:spPr bwMode="auto">
+          <a:xfrm>
+            <a:off x="10435294" y="5666076"/>
+            <a:ext cx="359300" cy="236074"/>
+          </a:xfrm>
+          <a:prstGeom prst="rect">
+            <a:avLst/>
+          </a:prstGeom>
+          <a:noFill/>
+          <a:extLst>
+            <a:ext uri="{909E8E84-426E-40DD-AFC4-6F175D3DCCD1}">
+              <a14:hiddenFill xmlns:a14="http://schemas.microsoft.com/office/drawing/2010/main">
+                <a:solidFill>
+                  <a:srgbClr val="FFFFFF"/>
+                </a:solidFill>
+              </a14:hiddenFill>
+            </a:ext>
+          </a:extLst>
+        </p:spPr>
+      </p:pic>
+      <p:sp>
+        <p:nvSpPr>
+          <p:cNvPr id="25" name="TextBox 24">
+            <a:extLst>
+              <a:ext uri="{FF2B5EF4-FFF2-40B4-BE49-F238E27FC236}">
+                <a16:creationId xmlns:a16="http://schemas.microsoft.com/office/drawing/2014/main" id="{1CE12F26-5350-8768-C61E-D4E2BB33B78D}"/>
+              </a:ext>
+            </a:extLst>
+          </p:cNvPr>
+          <p:cNvSpPr txBox="1"/>
+          <p:nvPr/>
+        </p:nvSpPr>
+        <p:spPr>
+          <a:xfrm>
+            <a:off x="9701541" y="5315561"/>
+            <a:ext cx="1826806" cy="246221"/>
+          </a:xfrm>
+          <a:prstGeom prst="rect">
+            <a:avLst/>
+          </a:prstGeom>
+          <a:noFill/>
+        </p:spPr>
+        <p:txBody>
+          <a:bodyPr wrap="square" lIns="0" tIns="0" rIns="0" bIns="0">
+            <a:spAutoFit/>
+          </a:bodyPr>
+          <a:lstStyle/>
+          <a:p>
+            <a:pPr algn="ctr"/>
+            <a:r>
+              <a:rPr lang="en-AU" sz="800" b="0" dirty="0">
+                <a:solidFill>
+                  <a:srgbClr val="C00000"/>
+                </a:solidFill>
+                <a:effectLst/>
+                <a:latin typeface="Menlo" panose="020B0609030804020204" pitchFamily="49" charset="0"/>
+              </a:rPr>
+              <a:t>export const API_URL = "http://</a:t>
+            </a:r>
+            <a:r>
+              <a:rPr lang="en-AU" sz="800" b="0" dirty="0" err="1">
+                <a:solidFill>
+                  <a:srgbClr val="C00000"/>
+                </a:solidFill>
+                <a:effectLst/>
+                <a:highlight>
+                  <a:srgbClr val="FFFF00"/>
+                </a:highlight>
+                <a:latin typeface="Menlo" panose="020B0609030804020204" pitchFamily="49" charset="0"/>
+              </a:rPr>
+              <a:t>demo.dr.com</a:t>
+            </a:r>
+            <a:r>
+              <a:rPr lang="en-AU" sz="800" b="0" dirty="0">
+                <a:solidFill>
+                  <a:srgbClr val="C00000"/>
+                </a:solidFill>
+                <a:effectLst/>
+                <a:latin typeface="Menlo" panose="020B0609030804020204" pitchFamily="49" charset="0"/>
+              </a:rPr>
+              <a:t>/api";</a:t>
+            </a:r>
+          </a:p>
+        </p:txBody>
+      </p:sp>
+      <p:cxnSp>
+        <p:nvCxnSpPr>
+          <p:cNvPr id="26" name="Straight Arrow Connector 25">
+            <a:extLst>
+              <a:ext uri="{FF2B5EF4-FFF2-40B4-BE49-F238E27FC236}">
+                <a16:creationId xmlns:a16="http://schemas.microsoft.com/office/drawing/2014/main" id="{BAA47162-A0AE-F93B-D3EA-5CBB0624B319}"/>
+              </a:ext>
+            </a:extLst>
+          </p:cNvPr>
+          <p:cNvCxnSpPr>
+            <a:cxnSpLocks/>
+            <a:stCxn id="25" idx="0"/>
+          </p:cNvCxnSpPr>
+          <p:nvPr/>
+        </p:nvCxnSpPr>
+        <p:spPr>
+          <a:xfrm flipH="1" flipV="1">
+            <a:off x="10611978" y="5016937"/>
+            <a:ext cx="2966" cy="298624"/>
+          </a:xfrm>
+          <a:prstGeom prst="straightConnector1">
+            <a:avLst/>
+          </a:prstGeom>
+          <a:ln>
+            <a:tailEnd type="triangle"/>
+          </a:ln>
+        </p:spPr>
+        <p:style>
+          <a:lnRef idx="1">
+            <a:schemeClr val="dk1"/>
+          </a:lnRef>
+          <a:fillRef idx="0">
+            <a:schemeClr val="dk1"/>
+          </a:fillRef>
+          <a:effectRef idx="0">
+            <a:schemeClr val="dk1"/>
+          </a:effectRef>
+          <a:fontRef idx="minor">
+            <a:schemeClr val="tx1"/>
+          </a:fontRef>
+        </p:style>
+      </p:cxnSp>
+    </p:spTree>
+    <p:custDataLst>
+      <p:tags r:id="rId1"/>
+    </p:custDataLst>
+    <p:extLst>
+      <p:ext uri="{BB962C8B-B14F-4D97-AF65-F5344CB8AC3E}">
+        <p14:creationId xmlns:p14="http://schemas.microsoft.com/office/powerpoint/2010/main" val="4127742961"/>
+      </p:ext>
+    </p:extLst>
+  </p:cSld>
+  <p:clrMapOvr>
+    <a:masterClrMapping/>
+  </p:clrMapOvr>
+</p:sld>
+</file>
+
+<file path=ppt/slides/slide4.xml><?xml version="1.0" encoding="utf-8"?>
+<p:sld xmlns:a="http://schemas.openxmlformats.org/drawingml/2006/main" xmlns:r="http://schemas.openxmlformats.org/officeDocument/2006/relationships" xmlns:p="http://schemas.openxmlformats.org/presentationml/2006/main">
+  <p:cSld>
+    <p:spTree>
+      <p:nvGrpSpPr>
+        <p:cNvPr id="1" name=""/>
+        <p:cNvGrpSpPr/>
+        <p:nvPr/>
+      </p:nvGrpSpPr>
+      <p:grpSpPr>
+        <a:xfrm>
+          <a:off x="0" y="0"/>
+          <a:ext cx="0" cy="0"/>
+          <a:chOff x="0" y="0"/>
+          <a:chExt cx="0" cy="0"/>
+        </a:xfrm>
+      </p:grpSpPr>
+      <p:sp>
+        <p:nvSpPr>
           <p:cNvPr id="59" name="Rounded Rectangle 58">
             <a:extLst>
               <a:ext uri="{FF2B5EF4-FFF2-40B4-BE49-F238E27FC236}">
@@ -24622,6 +29311,12 @@
 </file>
 
 <file path=ppt/tags/tag1.xml><?xml version="1.0" encoding="utf-8"?>
+<p:tagLst xmlns:a="http://schemas.openxmlformats.org/drawingml/2006/main" xmlns:r="http://schemas.openxmlformats.org/officeDocument/2006/relationships" xmlns:p="http://schemas.openxmlformats.org/presentationml/2006/main">
+  <p:tag name="ARTICULATE_SLIDE_THUMBNAIL_REFRESH" val="1"/>
+</p:tagLst>
+</file>
+
+<file path=ppt/tags/tag2.xml><?xml version="1.0" encoding="utf-8"?>
 <p:tagLst xmlns:a="http://schemas.openxmlformats.org/drawingml/2006/main" xmlns:r="http://schemas.openxmlformats.org/officeDocument/2006/relationships" xmlns:p="http://schemas.openxmlformats.org/presentationml/2006/main">
   <p:tag name="ARTICULATE_SLIDE_THUMBNAIL_REFRESH" val="1"/>
 </p:tagLst>
